--- a/paper/Presentation 3.pptx
+++ b/paper/Presentation 3.pptx
@@ -10,9 +10,11 @@
     <p:sldId id="258" r:id="rId4"/>
     <p:sldId id="259" r:id="rId5"/>
     <p:sldId id="260" r:id="rId6"/>
-    <p:sldId id="261" r:id="rId7"/>
-    <p:sldId id="262" r:id="rId8"/>
-    <p:sldId id="263" r:id="rId9"/>
+    <p:sldId id="265" r:id="rId7"/>
+    <p:sldId id="261" r:id="rId8"/>
+    <p:sldId id="262" r:id="rId9"/>
+    <p:sldId id="263" r:id="rId10"/>
+    <p:sldId id="266" r:id="rId11"/>
   </p:sldIdLst>
   <p:sldSz cx="12192000" cy="6858000"/>
   <p:notesSz cx="6858000" cy="9144000"/>
@@ -2115,6 +2117,13 @@
         </dgm:presLayoutVars>
       </dgm:prSet>
       <dgm:spPr/>
+      <dgm:t>
+        <a:bodyPr/>
+        <a:lstStyle/>
+        <a:p>
+          <a:endParaRPr lang="en-US"/>
+        </a:p>
+      </dgm:t>
     </dgm:pt>
     <dgm:pt modelId="{C8F4016F-6D22-4735-81EC-4EA3F832DE1D}" type="pres">
       <dgm:prSet presAssocID="{C3AB730A-FF35-4700-BCA6-38643BE8C0D0}" presName="container" presStyleCnt="0">
@@ -2137,13 +2146,13 @@
       <dgm:prSet presAssocID="{09DAA60E-5841-4DDB-9BC0-E9061D1C83CB}" presName="iconRect" presStyleLbl="node1" presStyleIdx="0" presStyleCnt="7"/>
       <dgm:spPr>
         <a:blipFill>
-          <a:blip xmlns:r="http://schemas.openxmlformats.org/officeDocument/2006/relationships" r:embed="rId1">
+          <a:blip xmlns:r="http://schemas.openxmlformats.org/officeDocument/2006/relationships" r:embed="rId1" cstate="print">
             <a:extLst>
               <a:ext uri="{28A0092B-C50C-407E-A947-70E740481C1C}">
                 <a14:useLocalDpi xmlns:a14="http://schemas.microsoft.com/office/drawing/2010/main" val="0"/>
               </a:ext>
               <a:ext uri="{96DAC541-7B7A-43D3-8B79-37D633B846F1}">
-                <asvg:svgBlip xmlns:asvg="http://schemas.microsoft.com/office/drawing/2016/SVG/main" r:embed="rId2"/>
+                <asvg:svgBlip xmlns:asvg="http://schemas.microsoft.com/office/drawing/2016/SVG/main" xmlns="" r:embed="rId2"/>
               </a:ext>
             </a:extLst>
           </a:blip>
@@ -2155,6 +2164,13 @@
           <a:noFill/>
         </a:ln>
       </dgm:spPr>
+      <dgm:t>
+        <a:bodyPr/>
+        <a:lstStyle/>
+        <a:p>
+          <a:endParaRPr lang="en-US"/>
+        </a:p>
+      </dgm:t>
       <dgm:extLst>
         <a:ext uri="{E40237B7-FDA0-4F09-8148-C483321AD2D9}">
           <dgm14:cNvPr xmlns:dgm14="http://schemas.microsoft.com/office/drawing/2010/diagram" id="0" name="" descr="Contract"/>
@@ -2173,10 +2189,24 @@
         </dgm:presLayoutVars>
       </dgm:prSet>
       <dgm:spPr/>
+      <dgm:t>
+        <a:bodyPr/>
+        <a:lstStyle/>
+        <a:p>
+          <a:endParaRPr lang="en-US"/>
+        </a:p>
+      </dgm:t>
     </dgm:pt>
     <dgm:pt modelId="{DA971304-1C46-4B51-8824-A61DF9055E28}" type="pres">
       <dgm:prSet presAssocID="{927643E4-0632-4207-8493-D30B1F1D91A1}" presName="sibTrans" presStyleLbl="sibTrans2D1" presStyleIdx="0" presStyleCnt="0"/>
       <dgm:spPr/>
+      <dgm:t>
+        <a:bodyPr/>
+        <a:lstStyle/>
+        <a:p>
+          <a:endParaRPr lang="en-US"/>
+        </a:p>
+      </dgm:t>
     </dgm:pt>
     <dgm:pt modelId="{931C8FEF-625D-46FB-B5B7-74E67AAA07F7}" type="pres">
       <dgm:prSet presAssocID="{9C2C1396-0455-46C6-9AB2-7DAD25CE6EE8}" presName="compNode" presStyleCnt="0"/>
@@ -2190,13 +2220,13 @@
       <dgm:prSet presAssocID="{9C2C1396-0455-46C6-9AB2-7DAD25CE6EE8}" presName="iconRect" presStyleLbl="node1" presStyleIdx="1" presStyleCnt="7"/>
       <dgm:spPr>
         <a:blipFill>
-          <a:blip xmlns:r="http://schemas.openxmlformats.org/officeDocument/2006/relationships" r:embed="rId3">
+          <a:blip xmlns:r="http://schemas.openxmlformats.org/officeDocument/2006/relationships" r:embed="rId3" cstate="print">
             <a:extLst>
               <a:ext uri="{28A0092B-C50C-407E-A947-70E740481C1C}">
                 <a14:useLocalDpi xmlns:a14="http://schemas.microsoft.com/office/drawing/2010/main" val="0"/>
               </a:ext>
               <a:ext uri="{96DAC541-7B7A-43D3-8B79-37D633B846F1}">
-                <asvg:svgBlip xmlns:asvg="http://schemas.microsoft.com/office/drawing/2016/SVG/main" r:embed="rId4"/>
+                <asvg:svgBlip xmlns:asvg="http://schemas.microsoft.com/office/drawing/2016/SVG/main" xmlns="" r:embed="rId4"/>
               </a:ext>
             </a:extLst>
           </a:blip>
@@ -2208,6 +2238,13 @@
           <a:noFill/>
         </a:ln>
       </dgm:spPr>
+      <dgm:t>
+        <a:bodyPr/>
+        <a:lstStyle/>
+        <a:p>
+          <a:endParaRPr lang="en-US"/>
+        </a:p>
+      </dgm:t>
       <dgm:extLst>
         <a:ext uri="{E40237B7-FDA0-4F09-8148-C483321AD2D9}">
           <dgm14:cNvPr xmlns:dgm14="http://schemas.microsoft.com/office/drawing/2010/diagram" id="0" name="" descr="Fireworks"/>
@@ -2226,10 +2263,24 @@
         </dgm:presLayoutVars>
       </dgm:prSet>
       <dgm:spPr/>
+      <dgm:t>
+        <a:bodyPr/>
+        <a:lstStyle/>
+        <a:p>
+          <a:endParaRPr lang="en-US"/>
+        </a:p>
+      </dgm:t>
     </dgm:pt>
     <dgm:pt modelId="{39A1B78B-184B-4329-A740-3DF081CAF4EA}" type="pres">
       <dgm:prSet presAssocID="{70A42E2E-CB42-4531-A8F5-14202381D749}" presName="sibTrans" presStyleLbl="sibTrans2D1" presStyleIdx="0" presStyleCnt="0"/>
       <dgm:spPr/>
+      <dgm:t>
+        <a:bodyPr/>
+        <a:lstStyle/>
+        <a:p>
+          <a:endParaRPr lang="en-US"/>
+        </a:p>
+      </dgm:t>
     </dgm:pt>
     <dgm:pt modelId="{FF43B146-7BF8-4C06-B989-22C062B3ED92}" type="pres">
       <dgm:prSet presAssocID="{03DEDC8E-5646-4283-A70D-9C04CC2B513A}" presName="compNode" presStyleCnt="0"/>
@@ -2243,13 +2294,13 @@
       <dgm:prSet presAssocID="{03DEDC8E-5646-4283-A70D-9C04CC2B513A}" presName="iconRect" presStyleLbl="node1" presStyleIdx="2" presStyleCnt="7"/>
       <dgm:spPr>
         <a:blipFill>
-          <a:blip xmlns:r="http://schemas.openxmlformats.org/officeDocument/2006/relationships" r:embed="rId5">
+          <a:blip xmlns:r="http://schemas.openxmlformats.org/officeDocument/2006/relationships" r:embed="rId5" cstate="print">
             <a:extLst>
               <a:ext uri="{28A0092B-C50C-407E-A947-70E740481C1C}">
                 <a14:useLocalDpi xmlns:a14="http://schemas.microsoft.com/office/drawing/2010/main" val="0"/>
               </a:ext>
               <a:ext uri="{96DAC541-7B7A-43D3-8B79-37D633B846F1}">
-                <asvg:svgBlip xmlns:asvg="http://schemas.microsoft.com/office/drawing/2016/SVG/main" r:embed="rId6"/>
+                <asvg:svgBlip xmlns:asvg="http://schemas.microsoft.com/office/drawing/2016/SVG/main" xmlns="" r:embed="rId6"/>
               </a:ext>
             </a:extLst>
           </a:blip>
@@ -2261,6 +2312,13 @@
           <a:noFill/>
         </a:ln>
       </dgm:spPr>
+      <dgm:t>
+        <a:bodyPr/>
+        <a:lstStyle/>
+        <a:p>
+          <a:endParaRPr lang="en-US"/>
+        </a:p>
+      </dgm:t>
       <dgm:extLst>
         <a:ext uri="{E40237B7-FDA0-4F09-8148-C483321AD2D9}">
           <dgm14:cNvPr xmlns:dgm14="http://schemas.microsoft.com/office/drawing/2010/diagram" id="0" name="" descr="Scanner"/>
@@ -2279,10 +2337,24 @@
         </dgm:presLayoutVars>
       </dgm:prSet>
       <dgm:spPr/>
+      <dgm:t>
+        <a:bodyPr/>
+        <a:lstStyle/>
+        <a:p>
+          <a:endParaRPr lang="en-US"/>
+        </a:p>
+      </dgm:t>
     </dgm:pt>
     <dgm:pt modelId="{52573B31-2D19-4E17-915C-07D8626DD947}" type="pres">
       <dgm:prSet presAssocID="{7E422970-81D0-41A6-BB72-2A39659ED3AA}" presName="sibTrans" presStyleLbl="sibTrans2D1" presStyleIdx="0" presStyleCnt="0"/>
       <dgm:spPr/>
+      <dgm:t>
+        <a:bodyPr/>
+        <a:lstStyle/>
+        <a:p>
+          <a:endParaRPr lang="en-US"/>
+        </a:p>
+      </dgm:t>
     </dgm:pt>
     <dgm:pt modelId="{65A6F23F-CA41-4B48-A525-38A19C77E24C}" type="pres">
       <dgm:prSet presAssocID="{A996DE57-223C-42DD-8593-04AF38B5E6A3}" presName="compNode" presStyleCnt="0"/>
@@ -2296,13 +2368,13 @@
       <dgm:prSet presAssocID="{A996DE57-223C-42DD-8593-04AF38B5E6A3}" presName="iconRect" presStyleLbl="node1" presStyleIdx="3" presStyleCnt="7"/>
       <dgm:spPr>
         <a:blipFill>
-          <a:blip xmlns:r="http://schemas.openxmlformats.org/officeDocument/2006/relationships" r:embed="rId7">
+          <a:blip xmlns:r="http://schemas.openxmlformats.org/officeDocument/2006/relationships" r:embed="rId7" cstate="print">
             <a:extLst>
               <a:ext uri="{28A0092B-C50C-407E-A947-70E740481C1C}">
                 <a14:useLocalDpi xmlns:a14="http://schemas.microsoft.com/office/drawing/2010/main" val="0"/>
               </a:ext>
               <a:ext uri="{96DAC541-7B7A-43D3-8B79-37D633B846F1}">
-                <asvg:svgBlip xmlns:asvg="http://schemas.microsoft.com/office/drawing/2016/SVG/main" r:embed="rId8"/>
+                <asvg:svgBlip xmlns:asvg="http://schemas.microsoft.com/office/drawing/2016/SVG/main" xmlns="" r:embed="rId8"/>
               </a:ext>
             </a:extLst>
           </a:blip>
@@ -2314,6 +2386,13 @@
           <a:noFill/>
         </a:ln>
       </dgm:spPr>
+      <dgm:t>
+        <a:bodyPr/>
+        <a:lstStyle/>
+        <a:p>
+          <a:endParaRPr lang="en-US"/>
+        </a:p>
+      </dgm:t>
       <dgm:extLst>
         <a:ext uri="{E40237B7-FDA0-4F09-8148-C483321AD2D9}">
           <dgm14:cNvPr xmlns:dgm14="http://schemas.microsoft.com/office/drawing/2010/diagram" id="0" name="" descr="New Wheelchair"/>
@@ -2332,10 +2411,24 @@
         </dgm:presLayoutVars>
       </dgm:prSet>
       <dgm:spPr/>
+      <dgm:t>
+        <a:bodyPr/>
+        <a:lstStyle/>
+        <a:p>
+          <a:endParaRPr lang="en-US"/>
+        </a:p>
+      </dgm:t>
     </dgm:pt>
     <dgm:pt modelId="{AED21ED4-DA4A-4548-8EC0-E0D954C3AB9D}" type="pres">
       <dgm:prSet presAssocID="{25F42CE7-37DC-4D2A-BEF0-13727C915C53}" presName="sibTrans" presStyleLbl="sibTrans2D1" presStyleIdx="0" presStyleCnt="0"/>
       <dgm:spPr/>
+      <dgm:t>
+        <a:bodyPr/>
+        <a:lstStyle/>
+        <a:p>
+          <a:endParaRPr lang="en-US"/>
+        </a:p>
+      </dgm:t>
     </dgm:pt>
     <dgm:pt modelId="{C8CEE692-D718-4073-99B7-EDA3D8E15098}" type="pres">
       <dgm:prSet presAssocID="{C3EAEBD3-E3D0-4718-88CF-78DBCDA5F757}" presName="compNode" presStyleCnt="0"/>
@@ -2349,13 +2442,13 @@
       <dgm:prSet presAssocID="{C3EAEBD3-E3D0-4718-88CF-78DBCDA5F757}" presName="iconRect" presStyleLbl="node1" presStyleIdx="4" presStyleCnt="7"/>
       <dgm:spPr>
         <a:blipFill>
-          <a:blip xmlns:r="http://schemas.openxmlformats.org/officeDocument/2006/relationships" r:embed="rId9">
+          <a:blip xmlns:r="http://schemas.openxmlformats.org/officeDocument/2006/relationships" r:embed="rId9" cstate="print">
             <a:extLst>
               <a:ext uri="{28A0092B-C50C-407E-A947-70E740481C1C}">
                 <a14:useLocalDpi xmlns:a14="http://schemas.microsoft.com/office/drawing/2010/main" val="0"/>
               </a:ext>
               <a:ext uri="{96DAC541-7B7A-43D3-8B79-37D633B846F1}">
-                <asvg:svgBlip xmlns:asvg="http://schemas.microsoft.com/office/drawing/2016/SVG/main" r:embed="rId10"/>
+                <asvg:svgBlip xmlns:asvg="http://schemas.microsoft.com/office/drawing/2016/SVG/main" xmlns="" r:embed="rId10"/>
               </a:ext>
             </a:extLst>
           </a:blip>
@@ -2367,6 +2460,13 @@
           <a:noFill/>
         </a:ln>
       </dgm:spPr>
+      <dgm:t>
+        <a:bodyPr/>
+        <a:lstStyle/>
+        <a:p>
+          <a:endParaRPr lang="en-US"/>
+        </a:p>
+      </dgm:t>
       <dgm:extLst>
         <a:ext uri="{E40237B7-FDA0-4F09-8148-C483321AD2D9}">
           <dgm14:cNvPr xmlns:dgm14="http://schemas.microsoft.com/office/drawing/2010/diagram" id="0" name="" descr="Key"/>
@@ -2385,10 +2485,24 @@
         </dgm:presLayoutVars>
       </dgm:prSet>
       <dgm:spPr/>
+      <dgm:t>
+        <a:bodyPr/>
+        <a:lstStyle/>
+        <a:p>
+          <a:endParaRPr lang="en-US"/>
+        </a:p>
+      </dgm:t>
     </dgm:pt>
     <dgm:pt modelId="{3ADBA300-D476-4FBF-A54B-77B201CA5B1C}" type="pres">
       <dgm:prSet presAssocID="{40A75CE5-DDB9-4EF8-8434-A264B62013C0}" presName="sibTrans" presStyleLbl="sibTrans2D1" presStyleIdx="0" presStyleCnt="0"/>
       <dgm:spPr/>
+      <dgm:t>
+        <a:bodyPr/>
+        <a:lstStyle/>
+        <a:p>
+          <a:endParaRPr lang="en-US"/>
+        </a:p>
+      </dgm:t>
     </dgm:pt>
     <dgm:pt modelId="{79DB22FF-1777-4CEE-8223-E0A7DD5CD067}" type="pres">
       <dgm:prSet presAssocID="{E80ADC20-B222-48E6-91CD-4FA98D191192}" presName="compNode" presStyleCnt="0"/>
@@ -2402,13 +2516,13 @@
       <dgm:prSet presAssocID="{E80ADC20-B222-48E6-91CD-4FA98D191192}" presName="iconRect" presStyleLbl="node1" presStyleIdx="5" presStyleCnt="7"/>
       <dgm:spPr>
         <a:blipFill>
-          <a:blip xmlns:r="http://schemas.openxmlformats.org/officeDocument/2006/relationships" r:embed="rId11">
+          <a:blip xmlns:r="http://schemas.openxmlformats.org/officeDocument/2006/relationships" r:embed="rId11" cstate="print">
             <a:extLst>
               <a:ext uri="{28A0092B-C50C-407E-A947-70E740481C1C}">
                 <a14:useLocalDpi xmlns:a14="http://schemas.microsoft.com/office/drawing/2010/main" val="0"/>
               </a:ext>
               <a:ext uri="{96DAC541-7B7A-43D3-8B79-37D633B846F1}">
-                <asvg:svgBlip xmlns:asvg="http://schemas.microsoft.com/office/drawing/2016/SVG/main" r:embed="rId12"/>
+                <asvg:svgBlip xmlns:asvg="http://schemas.microsoft.com/office/drawing/2016/SVG/main" xmlns="" r:embed="rId12"/>
               </a:ext>
             </a:extLst>
           </a:blip>
@@ -2420,6 +2534,13 @@
           <a:noFill/>
         </a:ln>
       </dgm:spPr>
+      <dgm:t>
+        <a:bodyPr/>
+        <a:lstStyle/>
+        <a:p>
+          <a:endParaRPr lang="en-US"/>
+        </a:p>
+      </dgm:t>
       <dgm:extLst>
         <a:ext uri="{E40237B7-FDA0-4F09-8148-C483321AD2D9}">
           <dgm14:cNvPr xmlns:dgm14="http://schemas.microsoft.com/office/drawing/2010/diagram" id="0" name="" descr="Skeleton"/>
@@ -2438,10 +2559,24 @@
         </dgm:presLayoutVars>
       </dgm:prSet>
       <dgm:spPr/>
+      <dgm:t>
+        <a:bodyPr/>
+        <a:lstStyle/>
+        <a:p>
+          <a:endParaRPr lang="en-US"/>
+        </a:p>
+      </dgm:t>
     </dgm:pt>
     <dgm:pt modelId="{96798021-6D5E-41C6-8289-A972C497A49B}" type="pres">
       <dgm:prSet presAssocID="{534826BD-61D6-4608-B7F9-721C6BB234F2}" presName="sibTrans" presStyleLbl="sibTrans2D1" presStyleIdx="0" presStyleCnt="0"/>
       <dgm:spPr/>
+      <dgm:t>
+        <a:bodyPr/>
+        <a:lstStyle/>
+        <a:p>
+          <a:endParaRPr lang="en-US"/>
+        </a:p>
+      </dgm:t>
     </dgm:pt>
     <dgm:pt modelId="{99A8103D-B10E-4B71-BA3B-588128B7A446}" type="pres">
       <dgm:prSet presAssocID="{A4F896A4-43F6-4D60-80C9-792A6C263298}" presName="compNode" presStyleCnt="0"/>
@@ -2455,13 +2590,13 @@
       <dgm:prSet presAssocID="{A4F896A4-43F6-4D60-80C9-792A6C263298}" presName="iconRect" presStyleLbl="node1" presStyleIdx="6" presStyleCnt="7"/>
       <dgm:spPr>
         <a:blipFill>
-          <a:blip xmlns:r="http://schemas.openxmlformats.org/officeDocument/2006/relationships" r:embed="rId13">
+          <a:blip xmlns:r="http://schemas.openxmlformats.org/officeDocument/2006/relationships" r:embed="rId13" cstate="print">
             <a:extLst>
               <a:ext uri="{28A0092B-C50C-407E-A947-70E740481C1C}">
                 <a14:useLocalDpi xmlns:a14="http://schemas.microsoft.com/office/drawing/2010/main" val="0"/>
               </a:ext>
               <a:ext uri="{96DAC541-7B7A-43D3-8B79-37D633B846F1}">
-                <asvg:svgBlip xmlns:asvg="http://schemas.microsoft.com/office/drawing/2016/SVG/main" r:embed="rId14"/>
+                <asvg:svgBlip xmlns:asvg="http://schemas.microsoft.com/office/drawing/2016/SVG/main" xmlns="" r:embed="rId14"/>
               </a:ext>
             </a:extLst>
           </a:blip>
@@ -2473,6 +2608,13 @@
           <a:noFill/>
         </a:ln>
       </dgm:spPr>
+      <dgm:t>
+        <a:bodyPr/>
+        <a:lstStyle/>
+        <a:p>
+          <a:endParaRPr lang="en-US"/>
+        </a:p>
+      </dgm:t>
       <dgm:extLst>
         <a:ext uri="{E40237B7-FDA0-4F09-8148-C483321AD2D9}">
           <dgm14:cNvPr xmlns:dgm14="http://schemas.microsoft.com/office/drawing/2010/diagram" id="0" name="" descr="Statistics"/>
@@ -2491,30 +2633,37 @@
         </dgm:presLayoutVars>
       </dgm:prSet>
       <dgm:spPr/>
+      <dgm:t>
+        <a:bodyPr/>
+        <a:lstStyle/>
+        <a:p>
+          <a:endParaRPr lang="en-US"/>
+        </a:p>
+      </dgm:t>
     </dgm:pt>
   </dgm:ptLst>
   <dgm:cxnLst>
+    <dgm:cxn modelId="{D5155888-10D6-4D60-B005-778B76F33FCA}" type="presOf" srcId="{03DEDC8E-5646-4283-A70D-9C04CC2B513A}" destId="{C76BE246-F660-4F1F-A60F-6D95C4BEC5C2}" srcOrd="0" destOrd="0" presId="urn:microsoft.com/office/officeart/2018/2/layout/IconCircleList"/>
+    <dgm:cxn modelId="{1FAF5FCB-24B2-48D5-932A-98F5120E1520}" type="presOf" srcId="{A996DE57-223C-42DD-8593-04AF38B5E6A3}" destId="{6B7E8DDE-0580-49D2-8ED9-6F6CD54F0854}" srcOrd="0" destOrd="0" presId="urn:microsoft.com/office/officeart/2018/2/layout/IconCircleList"/>
+    <dgm:cxn modelId="{A5E1949C-98D1-4EC3-B46A-CDB387E6F3BC}" srcId="{C3AB730A-FF35-4700-BCA6-38643BE8C0D0}" destId="{C3EAEBD3-E3D0-4718-88CF-78DBCDA5F757}" srcOrd="4" destOrd="0" parTransId="{08BE8AA3-F636-48BD-9598-1669ACFE1252}" sibTransId="{40A75CE5-DDB9-4EF8-8434-A264B62013C0}"/>
+    <dgm:cxn modelId="{A5C76466-BE41-4CAD-BF6C-652DEB8DFABB}" type="presOf" srcId="{7E422970-81D0-41A6-BB72-2A39659ED3AA}" destId="{52573B31-2D19-4E17-915C-07D8626DD947}" srcOrd="0" destOrd="0" presId="urn:microsoft.com/office/officeart/2018/2/layout/IconCircleList"/>
     <dgm:cxn modelId="{6D93A507-D264-4688-8DE9-7BE1FA2B3EE4}" type="presOf" srcId="{9C2C1396-0455-46C6-9AB2-7DAD25CE6EE8}" destId="{5AED8A69-8D39-46D5-809A-7989C7EE3E64}" srcOrd="0" destOrd="0" presId="urn:microsoft.com/office/officeart/2018/2/layout/IconCircleList"/>
+    <dgm:cxn modelId="{D446A984-C0D3-4ACF-92A2-26CA1182A9FC}" srcId="{C3AB730A-FF35-4700-BCA6-38643BE8C0D0}" destId="{09DAA60E-5841-4DDB-9BC0-E9061D1C83CB}" srcOrd="0" destOrd="0" parTransId="{D2843CFC-A7BD-42EF-9CCC-99299F89F416}" sibTransId="{927643E4-0632-4207-8493-D30B1F1D91A1}"/>
+    <dgm:cxn modelId="{0B54FCE3-37D5-4E35-BD6F-A3AFE09BEFFF}" type="presOf" srcId="{70A42E2E-CB42-4531-A8F5-14202381D749}" destId="{39A1B78B-184B-4329-A740-3DF081CAF4EA}" srcOrd="0" destOrd="0" presId="urn:microsoft.com/office/officeart/2018/2/layout/IconCircleList"/>
+    <dgm:cxn modelId="{6910806A-D435-40F3-B6D9-6EE09D95065E}" srcId="{C3AB730A-FF35-4700-BCA6-38643BE8C0D0}" destId="{A996DE57-223C-42DD-8593-04AF38B5E6A3}" srcOrd="3" destOrd="0" parTransId="{550BD9BE-283C-4993-BC5A-00BFD0BAE609}" sibTransId="{25F42CE7-37DC-4D2A-BEF0-13727C915C53}"/>
+    <dgm:cxn modelId="{C74E1BEB-E384-445E-ACD3-91B3FEA27037}" type="presOf" srcId="{C3AB730A-FF35-4700-BCA6-38643BE8C0D0}" destId="{E97BB539-B538-4B92-9A0E-B5C177CC15CB}" srcOrd="0" destOrd="0" presId="urn:microsoft.com/office/officeart/2018/2/layout/IconCircleList"/>
+    <dgm:cxn modelId="{F7122BD2-86D4-4EE9-91C1-ADEEC2F9B366}" type="presOf" srcId="{40A75CE5-DDB9-4EF8-8434-A264B62013C0}" destId="{3ADBA300-D476-4FBF-A54B-77B201CA5B1C}" srcOrd="0" destOrd="0" presId="urn:microsoft.com/office/officeart/2018/2/layout/IconCircleList"/>
+    <dgm:cxn modelId="{C7309199-65C3-46A8-8F1D-C564D2000D12}" type="presOf" srcId="{A4F896A4-43F6-4D60-80C9-792A6C263298}" destId="{62DA5CAA-E5B1-4677-80B3-CCD8B531D270}" srcOrd="0" destOrd="0" presId="urn:microsoft.com/office/officeart/2018/2/layout/IconCircleList"/>
+    <dgm:cxn modelId="{2A2F4495-4D98-45FD-BACC-88D41938D9F2}" type="presOf" srcId="{534826BD-61D6-4608-B7F9-721C6BB234F2}" destId="{96798021-6D5E-41C6-8289-A972C497A49B}" srcOrd="0" destOrd="0" presId="urn:microsoft.com/office/officeart/2018/2/layout/IconCircleList"/>
     <dgm:cxn modelId="{C3D68342-AB47-49B8-AF6C-F3674A583B18}" srcId="{C3AB730A-FF35-4700-BCA6-38643BE8C0D0}" destId="{E80ADC20-B222-48E6-91CD-4FA98D191192}" srcOrd="5" destOrd="0" parTransId="{4B0C8DE9-1292-4342-8DD0-47655E0F55B9}" sibTransId="{534826BD-61D6-4608-B7F9-721C6BB234F2}"/>
-    <dgm:cxn modelId="{A5C76466-BE41-4CAD-BF6C-652DEB8DFABB}" type="presOf" srcId="{7E422970-81D0-41A6-BB72-2A39659ED3AA}" destId="{52573B31-2D19-4E17-915C-07D8626DD947}" srcOrd="0" destOrd="0" presId="urn:microsoft.com/office/officeart/2018/2/layout/IconCircleList"/>
-    <dgm:cxn modelId="{6910806A-D435-40F3-B6D9-6EE09D95065E}" srcId="{C3AB730A-FF35-4700-BCA6-38643BE8C0D0}" destId="{A996DE57-223C-42DD-8593-04AF38B5E6A3}" srcOrd="3" destOrd="0" parTransId="{550BD9BE-283C-4993-BC5A-00BFD0BAE609}" sibTransId="{25F42CE7-37DC-4D2A-BEF0-13727C915C53}"/>
-    <dgm:cxn modelId="{8BABF075-6F51-420C-BEC8-51F8B911C732}" type="presOf" srcId="{927643E4-0632-4207-8493-D30B1F1D91A1}" destId="{DA971304-1C46-4B51-8824-A61DF9055E28}" srcOrd="0" destOrd="0" presId="urn:microsoft.com/office/officeart/2018/2/layout/IconCircleList"/>
-    <dgm:cxn modelId="{3810C97A-5C91-4DE4-B1A5-99D936F305DD}" srcId="{C3AB730A-FF35-4700-BCA6-38643BE8C0D0}" destId="{A4F896A4-43F6-4D60-80C9-792A6C263298}" srcOrd="6" destOrd="0" parTransId="{F9816781-012F-47F2-B382-78095A8CEBAD}" sibTransId="{760A65A7-0CA1-4B63-A37C-EF0464D10290}"/>
-    <dgm:cxn modelId="{D446A984-C0D3-4ACF-92A2-26CA1182A9FC}" srcId="{C3AB730A-FF35-4700-BCA6-38643BE8C0D0}" destId="{09DAA60E-5841-4DDB-9BC0-E9061D1C83CB}" srcOrd="0" destOrd="0" parTransId="{D2843CFC-A7BD-42EF-9CCC-99299F89F416}" sibTransId="{927643E4-0632-4207-8493-D30B1F1D91A1}"/>
-    <dgm:cxn modelId="{D5155888-10D6-4D60-B005-778B76F33FCA}" type="presOf" srcId="{03DEDC8E-5646-4283-A70D-9C04CC2B513A}" destId="{C76BE246-F660-4F1F-A60F-6D95C4BEC5C2}" srcOrd="0" destOrd="0" presId="urn:microsoft.com/office/officeart/2018/2/layout/IconCircleList"/>
-    <dgm:cxn modelId="{8639EE8A-0846-4C49-B40A-3ED0F39F0C50}" type="presOf" srcId="{09DAA60E-5841-4DDB-9BC0-E9061D1C83CB}" destId="{15BB25D1-EEE6-42EA-8F8A-6C5E2F42E8BC}" srcOrd="0" destOrd="0" presId="urn:microsoft.com/office/officeart/2018/2/layout/IconCircleList"/>
-    <dgm:cxn modelId="{2A2F4495-4D98-45FD-BACC-88D41938D9F2}" type="presOf" srcId="{534826BD-61D6-4608-B7F9-721C6BB234F2}" destId="{96798021-6D5E-41C6-8289-A972C497A49B}" srcOrd="0" destOrd="0" presId="urn:microsoft.com/office/officeart/2018/2/layout/IconCircleList"/>
-    <dgm:cxn modelId="{73FB3296-55AB-4773-AE33-EA19B7748140}" type="presOf" srcId="{25F42CE7-37DC-4D2A-BEF0-13727C915C53}" destId="{AED21ED4-DA4A-4548-8EC0-E0D954C3AB9D}" srcOrd="0" destOrd="0" presId="urn:microsoft.com/office/officeart/2018/2/layout/IconCircleList"/>
-    <dgm:cxn modelId="{C7309199-65C3-46A8-8F1D-C564D2000D12}" type="presOf" srcId="{A4F896A4-43F6-4D60-80C9-792A6C263298}" destId="{62DA5CAA-E5B1-4677-80B3-CCD8B531D270}" srcOrd="0" destOrd="0" presId="urn:microsoft.com/office/officeart/2018/2/layout/IconCircleList"/>
-    <dgm:cxn modelId="{A5E1949C-98D1-4EC3-B46A-CDB387E6F3BC}" srcId="{C3AB730A-FF35-4700-BCA6-38643BE8C0D0}" destId="{C3EAEBD3-E3D0-4718-88CF-78DBCDA5F757}" srcOrd="4" destOrd="0" parTransId="{08BE8AA3-F636-48BD-9598-1669ACFE1252}" sibTransId="{40A75CE5-DDB9-4EF8-8434-A264B62013C0}"/>
-    <dgm:cxn modelId="{8DA5889D-5812-4328-BAF1-6DAD524590B1}" srcId="{C3AB730A-FF35-4700-BCA6-38643BE8C0D0}" destId="{9C2C1396-0455-46C6-9AB2-7DAD25CE6EE8}" srcOrd="1" destOrd="0" parTransId="{FBD814B7-067D-46AA-85A4-5FCA4723759F}" sibTransId="{70A42E2E-CB42-4531-A8F5-14202381D749}"/>
     <dgm:cxn modelId="{445ACEB3-A354-494C-AB29-A7856B856149}" srcId="{C3AB730A-FF35-4700-BCA6-38643BE8C0D0}" destId="{03DEDC8E-5646-4283-A70D-9C04CC2B513A}" srcOrd="2" destOrd="0" parTransId="{0817540C-5CA8-45AD-B758-3A8ED4F9F4CC}" sibTransId="{7E422970-81D0-41A6-BB72-2A39659ED3AA}"/>
     <dgm:cxn modelId="{5CEB6BC8-733C-49DC-AEB3-79D89C2530F6}" type="presOf" srcId="{E80ADC20-B222-48E6-91CD-4FA98D191192}" destId="{386BE8D6-F4D9-4797-A98E-F91AA58B19A6}" srcOrd="0" destOrd="0" presId="urn:microsoft.com/office/officeart/2018/2/layout/IconCircleList"/>
-    <dgm:cxn modelId="{1FAF5FCB-24B2-48D5-932A-98F5120E1520}" type="presOf" srcId="{A996DE57-223C-42DD-8593-04AF38B5E6A3}" destId="{6B7E8DDE-0580-49D2-8ED9-6F6CD54F0854}" srcOrd="0" destOrd="0" presId="urn:microsoft.com/office/officeart/2018/2/layout/IconCircleList"/>
-    <dgm:cxn modelId="{F7122BD2-86D4-4EE9-91C1-ADEEC2F9B366}" type="presOf" srcId="{40A75CE5-DDB9-4EF8-8434-A264B62013C0}" destId="{3ADBA300-D476-4FBF-A54B-77B201CA5B1C}" srcOrd="0" destOrd="0" presId="urn:microsoft.com/office/officeart/2018/2/layout/IconCircleList"/>
+    <dgm:cxn modelId="{8DA5889D-5812-4328-BAF1-6DAD524590B1}" srcId="{C3AB730A-FF35-4700-BCA6-38643BE8C0D0}" destId="{9C2C1396-0455-46C6-9AB2-7DAD25CE6EE8}" srcOrd="1" destOrd="0" parTransId="{FBD814B7-067D-46AA-85A4-5FCA4723759F}" sibTransId="{70A42E2E-CB42-4531-A8F5-14202381D749}"/>
+    <dgm:cxn modelId="{8BABF075-6F51-420C-BEC8-51F8B911C732}" type="presOf" srcId="{927643E4-0632-4207-8493-D30B1F1D91A1}" destId="{DA971304-1C46-4B51-8824-A61DF9055E28}" srcOrd="0" destOrd="0" presId="urn:microsoft.com/office/officeart/2018/2/layout/IconCircleList"/>
     <dgm:cxn modelId="{D63BA1D9-388C-4C3C-A1D6-CEC1DEA614D8}" type="presOf" srcId="{C3EAEBD3-E3D0-4718-88CF-78DBCDA5F757}" destId="{F1E30A18-33A8-447E-BD4F-1D6000D416BD}" srcOrd="0" destOrd="0" presId="urn:microsoft.com/office/officeart/2018/2/layout/IconCircleList"/>
-    <dgm:cxn modelId="{0B54FCE3-37D5-4E35-BD6F-A3AFE09BEFFF}" type="presOf" srcId="{70A42E2E-CB42-4531-A8F5-14202381D749}" destId="{39A1B78B-184B-4329-A740-3DF081CAF4EA}" srcOrd="0" destOrd="0" presId="urn:microsoft.com/office/officeart/2018/2/layout/IconCircleList"/>
-    <dgm:cxn modelId="{C74E1BEB-E384-445E-ACD3-91B3FEA27037}" type="presOf" srcId="{C3AB730A-FF35-4700-BCA6-38643BE8C0D0}" destId="{E97BB539-B538-4B92-9A0E-B5C177CC15CB}" srcOrd="0" destOrd="0" presId="urn:microsoft.com/office/officeart/2018/2/layout/IconCircleList"/>
+    <dgm:cxn modelId="{3810C97A-5C91-4DE4-B1A5-99D936F305DD}" srcId="{C3AB730A-FF35-4700-BCA6-38643BE8C0D0}" destId="{A4F896A4-43F6-4D60-80C9-792A6C263298}" srcOrd="6" destOrd="0" parTransId="{F9816781-012F-47F2-B382-78095A8CEBAD}" sibTransId="{760A65A7-0CA1-4B63-A37C-EF0464D10290}"/>
+    <dgm:cxn modelId="{73FB3296-55AB-4773-AE33-EA19B7748140}" type="presOf" srcId="{25F42CE7-37DC-4D2A-BEF0-13727C915C53}" destId="{AED21ED4-DA4A-4548-8EC0-E0D954C3AB9D}" srcOrd="0" destOrd="0" presId="urn:microsoft.com/office/officeart/2018/2/layout/IconCircleList"/>
+    <dgm:cxn modelId="{8639EE8A-0846-4C49-B40A-3ED0F39F0C50}" type="presOf" srcId="{09DAA60E-5841-4DDB-9BC0-E9061D1C83CB}" destId="{15BB25D1-EEE6-42EA-8F8A-6C5E2F42E8BC}" srcOrd="0" destOrd="0" presId="urn:microsoft.com/office/officeart/2018/2/layout/IconCircleList"/>
     <dgm:cxn modelId="{709045C5-49D6-4B5E-A654-B233B9588FF9}" type="presParOf" srcId="{E97BB539-B538-4B92-9A0E-B5C177CC15CB}" destId="{C8F4016F-6D22-4735-81EC-4EA3F832DE1D}" srcOrd="0" destOrd="0" presId="urn:microsoft.com/office/officeart/2018/2/layout/IconCircleList"/>
     <dgm:cxn modelId="{BE10EEF5-BD11-4892-A5C4-A5BA686C28ED}" type="presParOf" srcId="{C8F4016F-6D22-4735-81EC-4EA3F832DE1D}" destId="{B45FB04B-8559-4CFF-88B8-8DEF03730574}" srcOrd="0" destOrd="0" presId="urn:microsoft.com/office/officeart/2018/2/layout/IconCircleList"/>
     <dgm:cxn modelId="{6B5CAF50-BF14-4939-B3B2-69DE76877C7C}" type="presParOf" srcId="{B45FB04B-8559-4CFF-88B8-8DEF03730574}" destId="{1D8E943B-A62B-4D5C-9C82-8701CF014FF2}" srcOrd="0" destOrd="0" presId="urn:microsoft.com/office/officeart/2018/2/layout/IconCircleList"/>
@@ -2629,13 +2778,13 @@
           <a:avLst/>
         </a:prstGeom>
         <a:blipFill>
-          <a:blip xmlns:r="http://schemas.openxmlformats.org/officeDocument/2006/relationships" r:embed="rId1">
+          <a:blip xmlns:r="http://schemas.openxmlformats.org/officeDocument/2006/relationships" r:embed="rId1" cstate="print">
             <a:extLst>
               <a:ext uri="{28A0092B-C50C-407E-A947-70E740481C1C}">
                 <a14:useLocalDpi xmlns:a14="http://schemas.microsoft.com/office/drawing/2010/main" val="0"/>
               </a:ext>
               <a:ext uri="{96DAC541-7B7A-43D3-8B79-37D633B846F1}">
-                <asvg:svgBlip xmlns:asvg="http://schemas.microsoft.com/office/drawing/2016/SVG/main" r:embed="rId2"/>
+                <asvg:svgBlip xmlns:asvg="http://schemas.microsoft.com/office/drawing/2016/SVG/main" xmlns="" r:embed="rId2"/>
               </a:ext>
             </a:extLst>
           </a:blip>
@@ -2701,7 +2850,7 @@
         </a:bodyPr>
         <a:lstStyle/>
         <a:p>
-          <a:pPr marL="0" lvl="0" indent="0" algn="l" defTabSz="800100">
+          <a:pPr lvl="0" algn="l" defTabSz="800100">
             <a:lnSpc>
               <a:spcPct val="90000"/>
             </a:lnSpc>
@@ -2711,7 +2860,6 @@
             <a:spcAft>
               <a:spcPct val="35000"/>
             </a:spcAft>
-            <a:buNone/>
           </a:pPr>
           <a:r>
             <a:rPr lang="en-US" sz="1800" b="1" kern="1200"/>
@@ -2778,13 +2926,13 @@
           <a:avLst/>
         </a:prstGeom>
         <a:blipFill>
-          <a:blip xmlns:r="http://schemas.openxmlformats.org/officeDocument/2006/relationships" r:embed="rId3">
+          <a:blip xmlns:r="http://schemas.openxmlformats.org/officeDocument/2006/relationships" r:embed="rId3" cstate="print">
             <a:extLst>
               <a:ext uri="{28A0092B-C50C-407E-A947-70E740481C1C}">
                 <a14:useLocalDpi xmlns:a14="http://schemas.microsoft.com/office/drawing/2010/main" val="0"/>
               </a:ext>
               <a:ext uri="{96DAC541-7B7A-43D3-8B79-37D633B846F1}">
-                <asvg:svgBlip xmlns:asvg="http://schemas.microsoft.com/office/drawing/2016/SVG/main" r:embed="rId4"/>
+                <asvg:svgBlip xmlns:asvg="http://schemas.microsoft.com/office/drawing/2016/SVG/main" xmlns="" r:embed="rId4"/>
               </a:ext>
             </a:extLst>
           </a:blip>
@@ -2850,7 +2998,7 @@
         </a:bodyPr>
         <a:lstStyle/>
         <a:p>
-          <a:pPr marL="0" lvl="0" indent="0" algn="l" defTabSz="800100">
+          <a:pPr lvl="0" algn="l" defTabSz="800100">
             <a:lnSpc>
               <a:spcPct val="90000"/>
             </a:lnSpc>
@@ -2860,7 +3008,6 @@
             <a:spcAft>
               <a:spcPct val="35000"/>
             </a:spcAft>
-            <a:buNone/>
           </a:pPr>
           <a:r>
             <a:rPr lang="en-US" sz="1800" b="1" kern="1200"/>
@@ -2927,13 +3074,13 @@
           <a:avLst/>
         </a:prstGeom>
         <a:blipFill>
-          <a:blip xmlns:r="http://schemas.openxmlformats.org/officeDocument/2006/relationships" r:embed="rId5">
+          <a:blip xmlns:r="http://schemas.openxmlformats.org/officeDocument/2006/relationships" r:embed="rId5" cstate="print">
             <a:extLst>
               <a:ext uri="{28A0092B-C50C-407E-A947-70E740481C1C}">
                 <a14:useLocalDpi xmlns:a14="http://schemas.microsoft.com/office/drawing/2010/main" val="0"/>
               </a:ext>
               <a:ext uri="{96DAC541-7B7A-43D3-8B79-37D633B846F1}">
-                <asvg:svgBlip xmlns:asvg="http://schemas.microsoft.com/office/drawing/2016/SVG/main" r:embed="rId6"/>
+                <asvg:svgBlip xmlns:asvg="http://schemas.microsoft.com/office/drawing/2016/SVG/main" xmlns="" r:embed="rId6"/>
               </a:ext>
             </a:extLst>
           </a:blip>
@@ -2999,7 +3146,7 @@
         </a:bodyPr>
         <a:lstStyle/>
         <a:p>
-          <a:pPr marL="0" lvl="0" indent="0" algn="l" defTabSz="800100">
+          <a:pPr lvl="0" algn="l" defTabSz="800100">
             <a:lnSpc>
               <a:spcPct val="90000"/>
             </a:lnSpc>
@@ -3009,7 +3156,6 @@
             <a:spcAft>
               <a:spcPct val="35000"/>
             </a:spcAft>
-            <a:buNone/>
           </a:pPr>
           <a:r>
             <a:rPr lang="en-US" sz="1800" b="1" kern="1200"/>
@@ -3076,13 +3222,13 @@
           <a:avLst/>
         </a:prstGeom>
         <a:blipFill>
-          <a:blip xmlns:r="http://schemas.openxmlformats.org/officeDocument/2006/relationships" r:embed="rId7">
+          <a:blip xmlns:r="http://schemas.openxmlformats.org/officeDocument/2006/relationships" r:embed="rId7" cstate="print">
             <a:extLst>
               <a:ext uri="{28A0092B-C50C-407E-A947-70E740481C1C}">
                 <a14:useLocalDpi xmlns:a14="http://schemas.microsoft.com/office/drawing/2010/main" val="0"/>
               </a:ext>
               <a:ext uri="{96DAC541-7B7A-43D3-8B79-37D633B846F1}">
-                <asvg:svgBlip xmlns:asvg="http://schemas.microsoft.com/office/drawing/2016/SVG/main" r:embed="rId8"/>
+                <asvg:svgBlip xmlns:asvg="http://schemas.microsoft.com/office/drawing/2016/SVG/main" xmlns="" r:embed="rId8"/>
               </a:ext>
             </a:extLst>
           </a:blip>
@@ -3148,7 +3294,7 @@
         </a:bodyPr>
         <a:lstStyle/>
         <a:p>
-          <a:pPr marL="0" lvl="0" indent="0" algn="l" defTabSz="800100">
+          <a:pPr lvl="0" algn="l" defTabSz="800100">
             <a:lnSpc>
               <a:spcPct val="90000"/>
             </a:lnSpc>
@@ -3158,7 +3304,6 @@
             <a:spcAft>
               <a:spcPct val="35000"/>
             </a:spcAft>
-            <a:buNone/>
           </a:pPr>
           <a:r>
             <a:rPr lang="en-US" sz="1800" b="1" kern="1200"/>
@@ -3225,13 +3370,13 @@
           <a:avLst/>
         </a:prstGeom>
         <a:blipFill>
-          <a:blip xmlns:r="http://schemas.openxmlformats.org/officeDocument/2006/relationships" r:embed="rId9">
+          <a:blip xmlns:r="http://schemas.openxmlformats.org/officeDocument/2006/relationships" r:embed="rId9" cstate="print">
             <a:extLst>
               <a:ext uri="{28A0092B-C50C-407E-A947-70E740481C1C}">
                 <a14:useLocalDpi xmlns:a14="http://schemas.microsoft.com/office/drawing/2010/main" val="0"/>
               </a:ext>
               <a:ext uri="{96DAC541-7B7A-43D3-8B79-37D633B846F1}">
-                <asvg:svgBlip xmlns:asvg="http://schemas.microsoft.com/office/drawing/2016/SVG/main" r:embed="rId10"/>
+                <asvg:svgBlip xmlns:asvg="http://schemas.microsoft.com/office/drawing/2016/SVG/main" xmlns="" r:embed="rId10"/>
               </a:ext>
             </a:extLst>
           </a:blip>
@@ -3297,7 +3442,7 @@
         </a:bodyPr>
         <a:lstStyle/>
         <a:p>
-          <a:pPr marL="0" lvl="0" indent="0" algn="l" defTabSz="800100">
+          <a:pPr lvl="0" algn="l" defTabSz="800100">
             <a:lnSpc>
               <a:spcPct val="90000"/>
             </a:lnSpc>
@@ -3307,7 +3452,6 @@
             <a:spcAft>
               <a:spcPct val="35000"/>
             </a:spcAft>
-            <a:buNone/>
           </a:pPr>
           <a:r>
             <a:rPr lang="en-US" sz="1800" b="1" kern="1200"/>
@@ -3374,13 +3518,13 @@
           <a:avLst/>
         </a:prstGeom>
         <a:blipFill>
-          <a:blip xmlns:r="http://schemas.openxmlformats.org/officeDocument/2006/relationships" r:embed="rId11">
+          <a:blip xmlns:r="http://schemas.openxmlformats.org/officeDocument/2006/relationships" r:embed="rId11" cstate="print">
             <a:extLst>
               <a:ext uri="{28A0092B-C50C-407E-A947-70E740481C1C}">
                 <a14:useLocalDpi xmlns:a14="http://schemas.microsoft.com/office/drawing/2010/main" val="0"/>
               </a:ext>
               <a:ext uri="{96DAC541-7B7A-43D3-8B79-37D633B846F1}">
-                <asvg:svgBlip xmlns:asvg="http://schemas.microsoft.com/office/drawing/2016/SVG/main" r:embed="rId12"/>
+                <asvg:svgBlip xmlns:asvg="http://schemas.microsoft.com/office/drawing/2016/SVG/main" xmlns="" r:embed="rId12"/>
               </a:ext>
             </a:extLst>
           </a:blip>
@@ -3446,7 +3590,7 @@
         </a:bodyPr>
         <a:lstStyle/>
         <a:p>
-          <a:pPr marL="0" lvl="0" indent="0" algn="l" defTabSz="800100">
+          <a:pPr lvl="0" algn="l" defTabSz="800100">
             <a:lnSpc>
               <a:spcPct val="90000"/>
             </a:lnSpc>
@@ -3456,7 +3600,6 @@
             <a:spcAft>
               <a:spcPct val="35000"/>
             </a:spcAft>
-            <a:buNone/>
           </a:pPr>
           <a:r>
             <a:rPr lang="en-US" sz="1800" b="1" kern="1200"/>
@@ -3523,13 +3666,13 @@
           <a:avLst/>
         </a:prstGeom>
         <a:blipFill>
-          <a:blip xmlns:r="http://schemas.openxmlformats.org/officeDocument/2006/relationships" r:embed="rId13">
+          <a:blip xmlns:r="http://schemas.openxmlformats.org/officeDocument/2006/relationships" r:embed="rId13" cstate="print">
             <a:extLst>
               <a:ext uri="{28A0092B-C50C-407E-A947-70E740481C1C}">
                 <a14:useLocalDpi xmlns:a14="http://schemas.microsoft.com/office/drawing/2010/main" val="0"/>
               </a:ext>
               <a:ext uri="{96DAC541-7B7A-43D3-8B79-37D633B846F1}">
-                <asvg:svgBlip xmlns:asvg="http://schemas.microsoft.com/office/drawing/2016/SVG/main" r:embed="rId14"/>
+                <asvg:svgBlip xmlns:asvg="http://schemas.microsoft.com/office/drawing/2016/SVG/main" xmlns="" r:embed="rId14"/>
               </a:ext>
             </a:extLst>
           </a:blip>
@@ -3595,7 +3738,7 @@
         </a:bodyPr>
         <a:lstStyle/>
         <a:p>
-          <a:pPr marL="0" lvl="0" indent="0" algn="l" defTabSz="800100">
+          <a:pPr lvl="0" algn="l" defTabSz="800100">
             <a:lnSpc>
               <a:spcPct val="90000"/>
             </a:lnSpc>
@@ -3605,7 +3748,6 @@
             <a:spcAft>
               <a:spcPct val="35000"/>
             </a:spcAft>
-            <a:buNone/>
           </a:pPr>
           <a:r>
             <a:rPr lang="en-US" sz="1800" b="1" kern="1200"/>
@@ -3823,7 +3965,7 @@
   </dgm:layoutNode>
   <dgm:extLst>
     <a:ext uri="{68A01E43-0DF5-4B5B-8FA6-DAF915123BFB}">
-      <dgm1612:lstStyle xmlns:dgm1612="http://schemas.microsoft.com/office/drawing/2016/12/diagram">
+      <dgm1612:lstStyle xmlns:dgm1612="http://schemas.microsoft.com/office/drawing/2016/12/diagram" xmlns="">
         <a:lvl1pPr>
           <a:lnSpc>
             <a:spcPct val="100000"/>
@@ -5073,7 +5215,7 @@
           <a:p>
             <a:fld id="{88D38747-4367-4BD2-8D51-C97E202738E2}" type="datetime1">
               <a:rPr lang="en-US" smtClean="0"/>
-              <a:t>10/11/2019</a:t>
+              <a:t>10/12/2019</a:t>
             </a:fld>
             <a:endParaRPr lang="en-US" dirty="0"/>
           </a:p>
@@ -5397,7 +5539,7 @@
           <a:p>
             <a:fld id="{11F1B079-7EF0-44EE-B798-BCC497C9F3B2}" type="datetime1">
               <a:rPr lang="en-US" smtClean="0"/>
-              <a:t>10/11/2019</a:t>
+              <a:t>10/12/2019</a:t>
             </a:fld>
             <a:endParaRPr lang="en-US" dirty="0"/>
           </a:p>
@@ -5610,7 +5752,7 @@
           <a:p>
             <a:fld id="{28FF70A8-1D13-4657-95F0-A9EA54967B8D}" type="datetime1">
               <a:rPr lang="en-US" smtClean="0"/>
-              <a:t>10/11/2019</a:t>
+              <a:t>10/12/2019</a:t>
             </a:fld>
             <a:endParaRPr lang="en-US" dirty="0"/>
           </a:p>
@@ -5892,7 +6034,7 @@
           <a:p>
             <a:fld id="{21EB90AC-71BD-4C7F-8ACA-7B3F18292E63}" type="datetime1">
               <a:rPr lang="en-US" smtClean="0"/>
-              <a:t>10/11/2019</a:t>
+              <a:t>10/12/2019</a:t>
             </a:fld>
             <a:endParaRPr lang="en-US" dirty="0"/>
           </a:p>
@@ -6347,7 +6489,7 @@
           <a:p>
             <a:fld id="{4E6EFC2C-8905-46F0-B443-CE905B76BA01}" type="datetime1">
               <a:rPr lang="en-US" smtClean="0"/>
-              <a:t>10/11/2019</a:t>
+              <a:t>10/12/2019</a:t>
             </a:fld>
             <a:endParaRPr lang="en-US" dirty="0"/>
           </a:p>
@@ -6903,7 +7045,7 @@
           <a:p>
             <a:fld id="{D9079DC3-C9B5-499E-9140-0DC28B7074E2}" type="datetime1">
               <a:rPr lang="en-US" smtClean="0"/>
-              <a:t>10/11/2019</a:t>
+              <a:t>10/12/2019</a:t>
             </a:fld>
             <a:endParaRPr lang="en-US" dirty="0"/>
           </a:p>
@@ -7804,7 +7946,7 @@
           <a:p>
             <a:fld id="{30BB33EA-E472-4D22-9C03-A9C14AA21CED}" type="datetime1">
               <a:rPr lang="en-US" smtClean="0"/>
-              <a:t>10/11/2019</a:t>
+              <a:t>10/12/2019</a:t>
             </a:fld>
             <a:endParaRPr lang="en-US" dirty="0"/>
           </a:p>
@@ -7993,7 +8135,7 @@
           <a:p>
             <a:fld id="{217E833E-1B6D-415F-AD29-75AE8C43BD0D}" type="datetime1">
               <a:rPr lang="en-US" smtClean="0"/>
-              <a:t>10/11/2019</a:t>
+              <a:t>10/12/2019</a:t>
             </a:fld>
             <a:endParaRPr lang="en-US" dirty="0"/>
           </a:p>
@@ -8196,7 +8338,7 @@
           <a:p>
             <a:fld id="{8452596F-08A7-4B70-989A-F2B1CF31E66B}" type="datetime1">
               <a:rPr lang="en-US" smtClean="0"/>
-              <a:t>10/11/2019</a:t>
+              <a:t>10/12/2019</a:t>
             </a:fld>
             <a:endParaRPr lang="en-US" dirty="0"/>
           </a:p>
@@ -8385,7 +8527,7 @@
           <a:p>
             <a:fld id="{73C55A3C-5767-4844-A0A3-83778C2E5409}" type="datetime1">
               <a:rPr lang="en-US" smtClean="0"/>
-              <a:t>10/11/2019</a:t>
+              <a:t>10/12/2019</a:t>
             </a:fld>
             <a:endParaRPr lang="en-US" dirty="0"/>
           </a:p>
@@ -8648,7 +8790,7 @@
           <a:p>
             <a:fld id="{CAE507A8-A5CF-4D38-AB86-7EDDA87A85D4}" type="datetime1">
               <a:rPr lang="en-US" smtClean="0"/>
-              <a:t>10/11/2019</a:t>
+              <a:t>10/12/2019</a:t>
             </a:fld>
             <a:endParaRPr lang="en-US" dirty="0"/>
           </a:p>
@@ -8909,7 +9051,7 @@
           <a:p>
             <a:fld id="{BDFCD27C-8599-43EF-BA1D-14DDC1946E06}" type="datetime1">
               <a:rPr lang="en-US" smtClean="0"/>
-              <a:t>10/11/2019</a:t>
+              <a:t>10/12/2019</a:t>
             </a:fld>
             <a:endParaRPr lang="en-US" dirty="0"/>
           </a:p>
@@ -9409,7 +9551,7 @@
           <a:p>
             <a:fld id="{49343D99-809A-49C0-96E5-4250D0B498EE}" type="datetime1">
               <a:rPr lang="en-US" smtClean="0"/>
-              <a:t>10/11/2019</a:t>
+              <a:t>10/12/2019</a:t>
             </a:fld>
             <a:endParaRPr lang="en-US" dirty="0"/>
           </a:p>
@@ -9546,7 +9688,7 @@
           <a:p>
             <a:fld id="{A143DE9B-B678-4EFB-BB7D-A4370204A0B0}" type="datetime1">
               <a:rPr lang="en-US" smtClean="0"/>
-              <a:t>10/11/2019</a:t>
+              <a:t>10/12/2019</a:t>
             </a:fld>
             <a:endParaRPr lang="en-US" dirty="0"/>
           </a:p>
@@ -9660,7 +9802,7 @@
           <a:p>
             <a:fld id="{E68812DA-F765-4142-A6A3-A8ED7235E082}" type="datetime1">
               <a:rPr lang="en-US" smtClean="0"/>
-              <a:t>10/11/2019</a:t>
+              <a:t>10/12/2019</a:t>
             </a:fld>
             <a:endParaRPr lang="en-US" dirty="0"/>
           </a:p>
@@ -9934,7 +10076,7 @@
           <a:p>
             <a:fld id="{3E0277FD-7DE6-41D4-930D-AC99F5AFE54E}" type="datetime1">
               <a:rPr lang="en-US" smtClean="0"/>
-              <a:t>10/11/2019</a:t>
+              <a:t>10/12/2019</a:t>
             </a:fld>
             <a:endParaRPr lang="en-US" dirty="0"/>
           </a:p>
@@ -10260,7 +10402,7 @@
           <a:p>
             <a:fld id="{9EA15526-7079-4B7B-987C-1B5FAE11A0FF}" type="datetime1">
               <a:rPr lang="en-US" smtClean="0"/>
-              <a:t>10/11/2019</a:t>
+              <a:t>10/12/2019</a:t>
             </a:fld>
             <a:endParaRPr lang="en-US" dirty="0"/>
           </a:p>
@@ -10509,7 +10651,7 @@
           <a:p>
             <a:fld id="{073ED0CC-082F-4160-86E5-0D6041F12778}" type="datetime1">
               <a:rPr lang="en-US" smtClean="0"/>
-              <a:t>10/11/2019</a:t>
+              <a:t>10/12/2019</a:t>
             </a:fld>
             <a:endParaRPr lang="en-US" dirty="0"/>
           </a:p>
@@ -11359,6 +11501,96 @@
 </p:sld>
 </file>
 
+<file path=ppt/slides/slide10.xml><?xml version="1.0" encoding="utf-8"?>
+<p:sld xmlns:a="http://schemas.openxmlformats.org/drawingml/2006/main" xmlns:r="http://schemas.openxmlformats.org/officeDocument/2006/relationships" xmlns:p="http://schemas.openxmlformats.org/presentationml/2006/main">
+  <p:cSld>
+    <p:spTree>
+      <p:nvGrpSpPr>
+        <p:cNvPr id="1" name=""/>
+        <p:cNvGrpSpPr/>
+        <p:nvPr/>
+      </p:nvGrpSpPr>
+      <p:grpSpPr>
+        <a:xfrm>
+          <a:off x="0" y="0"/>
+          <a:ext cx="0" cy="0"/>
+          <a:chOff x="0" y="0"/>
+          <a:chExt cx="0" cy="0"/>
+        </a:xfrm>
+      </p:grpSpPr>
+      <p:sp>
+        <p:nvSpPr>
+          <p:cNvPr id="2" name="Rectangle 1"/>
+          <p:cNvSpPr/>
+          <p:nvPr/>
+        </p:nvSpPr>
+        <p:spPr>
+          <a:xfrm>
+            <a:off x="3276600" y="2721740"/>
+            <a:ext cx="6096000" cy="1200329"/>
+          </a:xfrm>
+          <a:prstGeom prst="rect">
+            <a:avLst/>
+          </a:prstGeom>
+          <a:noFill/>
+          <a:ln w="9525" cap="flat" cmpd="sng" algn="ctr">
+            <a:solidFill>
+              <a:schemeClr val="accent1"/>
+            </a:solidFill>
+            <a:prstDash val="solid"/>
+            <a:round/>
+            <a:headEnd type="none" w="med" len="med"/>
+            <a:tailEnd type="none" w="med" len="med"/>
+          </a:ln>
+        </p:spPr>
+        <p:style>
+          <a:lnRef idx="0">
+            <a:scrgbClr r="0" g="0" b="0"/>
+          </a:lnRef>
+          <a:fillRef idx="0">
+            <a:scrgbClr r="0" g="0" b="0"/>
+          </a:fillRef>
+          <a:effectRef idx="0">
+            <a:scrgbClr r="0" g="0" b="0"/>
+          </a:effectRef>
+          <a:fontRef idx="minor">
+            <a:schemeClr val="accent1"/>
+          </a:fontRef>
+        </p:style>
+        <p:txBody>
+          <a:bodyPr>
+            <a:spAutoFit/>
+          </a:bodyPr>
+          <a:lstStyle/>
+          <a:p>
+            <a:r>
+              <a:rPr lang="en-US" sz="7200" dirty="0" smtClean="0"/>
+              <a:t>Thank You</a:t>
+            </a:r>
+            <a:endParaRPr lang="en-US" sz="7200" dirty="0"/>
+          </a:p>
+        </p:txBody>
+      </p:sp>
+    </p:spTree>
+    <p:extLst>
+      <p:ext uri="{BB962C8B-B14F-4D97-AF65-F5344CB8AC3E}">
+        <p14:creationId xmlns:p14="http://schemas.microsoft.com/office/powerpoint/2010/main" val="2519940622"/>
+      </p:ext>
+    </p:extLst>
+  </p:cSld>
+  <p:clrMapOvr>
+    <a:masterClrMapping/>
+  </p:clrMapOvr>
+  <p:timing>
+    <p:tnLst>
+      <p:par>
+        <p:cTn id="1" dur="indefinite" restart="never" nodeType="tmRoot"/>
+      </p:par>
+    </p:tnLst>
+  </p:timing>
+</p:sld>
+</file>
+
 <file path=ppt/slides/slide2.xml><?xml version="1.0" encoding="utf-8"?>
 <p:sld xmlns:a="http://schemas.openxmlformats.org/drawingml/2006/main" xmlns:r="http://schemas.openxmlformats.org/officeDocument/2006/relationships" xmlns:p="http://schemas.openxmlformats.org/presentationml/2006/main">
   <p:cSld>
@@ -11445,10 +11677,28 @@
         </p:nvSpPr>
         <p:spPr/>
         <p:txBody>
-          <a:bodyPr/>
+          <a:bodyPr>
+            <a:normAutofit fontScale="92500" lnSpcReduction="10000"/>
+          </a:bodyPr>
           <a:lstStyle/>
           <a:p>
-            <a:endParaRPr lang="en-US"/>
+            <a:r>
+              <a:rPr lang="en-US" dirty="0">
+                <a:effectLst/>
+              </a:rPr>
+              <a:t>The world is exceedingly dependent on the Internet, Web applications are one of the most prevalent platforms for information and services Exchange over Internet today.  Nowadays, web security is greatest challenge in the corporate world. As almost all organizations has using the web application service to share or store sensitive information.</a:t>
+            </a:r>
+          </a:p>
+          <a:p>
+            <a:r>
+              <a:rPr lang="en-US" dirty="0">
+                <a:effectLst/>
+              </a:rPr>
+              <a:t>So Web applications are inclined to security attacks and Number of security vulnerabilities in web application has grown with the tremendous growth of web application in last two decades. so web applications become a well known and important target for security attacks by attackers. So it is very vital to secure a web application from attacks by unauthorized users. A lot of the issues that occur over a web application is basically due to the improper input provided by the client.</a:t>
+            </a:r>
+          </a:p>
+          <a:p>
+            <a:endParaRPr lang="en-US" dirty="0"/>
           </a:p>
         </p:txBody>
       </p:sp>
@@ -11546,10 +11796,62 @@
         </p:nvSpPr>
         <p:spPr/>
         <p:txBody>
-          <a:bodyPr/>
+          <a:bodyPr>
+            <a:normAutofit fontScale="77500" lnSpcReduction="20000"/>
+          </a:bodyPr>
           <a:lstStyle/>
           <a:p>
-            <a:endParaRPr lang="en-US"/>
+            <a:pPr marL="36900" indent="0">
+              <a:buNone/>
+            </a:pPr>
+            <a:r>
+              <a:rPr lang="en-US" dirty="0">
+                <a:effectLst/>
+              </a:rPr>
+              <a:t>Penetration Testing</a:t>
+            </a:r>
+          </a:p>
+          <a:p>
+            <a:r>
+              <a:rPr lang="en-US" dirty="0">
+                <a:effectLst/>
+              </a:rPr>
+              <a:t>Penetration testing replicates the actions of an external or/and internal cyber attacker/s that is intended to break the information security and hack the valuable data or disrupt the normal functioning of the organization. So, with the help of advanced tools and techniques, a penetration tester (also known as </a:t>
+            </a:r>
+            <a:r>
+              <a:rPr lang="en-US" b="1" dirty="0">
+                <a:effectLst/>
+              </a:rPr>
+              <a:t>ethical hacker</a:t>
+            </a:r>
+            <a:r>
+              <a:rPr lang="en-US" dirty="0">
+                <a:effectLst/>
+              </a:rPr>
+              <a:t>) makes an effort to control critical systems and acquire access to sensitive data.</a:t>
+            </a:r>
+          </a:p>
+          <a:p>
+            <a:pPr marL="36900" indent="0">
+              <a:buNone/>
+            </a:pPr>
+            <a:r>
+              <a:rPr lang="en-US" dirty="0">
+                <a:effectLst/>
+              </a:rPr>
+              <a:t>Vulnerability Assessment</a:t>
+            </a:r>
+          </a:p>
+          <a:p>
+            <a:r>
+              <a:rPr lang="en-US" dirty="0">
+                <a:effectLst/>
+              </a:rPr>
+              <a:t>On the other hand, a vulnerability assessment is the technique of identifying (discovery) and measuring security vulnerabilities (scanning) in a given environment. It is a comprehensive assessment of the information security position (result analysis). Further, it identifies the potential weaknesses and provides the proper mitigation measures (remediation) to either remove those weaknesses or reduce below the risk level.</a:t>
+            </a:r>
+          </a:p>
+          <a:p>
+            <a:endParaRPr lang="en-US" dirty="0"/>
           </a:p>
         </p:txBody>
       </p:sp>
@@ -11842,10 +12144,88 @@
         </p:nvSpPr>
         <p:spPr/>
         <p:txBody>
-          <a:bodyPr/>
+          <a:bodyPr>
+            <a:normAutofit fontScale="70000" lnSpcReduction="20000"/>
+          </a:bodyPr>
           <a:lstStyle/>
           <a:p>
-            <a:endParaRPr lang="en-US"/>
+            <a:pPr marL="36900" indent="0">
+              <a:buNone/>
+            </a:pPr>
+            <a:r>
+              <a:rPr lang="en-US" dirty="0" smtClean="0"/>
+              <a:t>There are many web application vulnerabilities some of them are </a:t>
+            </a:r>
+          </a:p>
+          <a:p>
+            <a:r>
+              <a:rPr lang="en-US" dirty="0" smtClean="0"/>
+              <a:t>Forceful Browsing</a:t>
+            </a:r>
+          </a:p>
+          <a:p>
+            <a:r>
+              <a:rPr lang="en-US" dirty="0" smtClean="0"/>
+              <a:t>Privilege escalation </a:t>
+            </a:r>
+          </a:p>
+          <a:p>
+            <a:r>
+              <a:rPr lang="en-US" dirty="0" smtClean="0"/>
+              <a:t>Cross Origin  Resource  sharing(CORS)</a:t>
+            </a:r>
+          </a:p>
+          <a:p>
+            <a:r>
+              <a:rPr lang="en-US" dirty="0" smtClean="0"/>
+              <a:t>Improper session Management</a:t>
+            </a:r>
+          </a:p>
+          <a:p>
+            <a:r>
+              <a:rPr lang="en-US" dirty="0" err="1" smtClean="0"/>
+              <a:t>Sql</a:t>
+            </a:r>
+            <a:r>
+              <a:rPr lang="en-US" dirty="0" smtClean="0"/>
+              <a:t> Injection</a:t>
+            </a:r>
+          </a:p>
+          <a:p>
+            <a:r>
+              <a:rPr lang="en-US" dirty="0" smtClean="0"/>
+              <a:t>Cross Site Scripting(XSS)</a:t>
+            </a:r>
+          </a:p>
+          <a:p>
+            <a:r>
+              <a:rPr lang="en-US" dirty="0" smtClean="0"/>
+              <a:t>Insufficient anti automation </a:t>
+            </a:r>
+          </a:p>
+          <a:p>
+            <a:r>
+              <a:rPr lang="en-US" dirty="0" smtClean="0"/>
+              <a:t>Version disclosure</a:t>
+            </a:r>
+          </a:p>
+          <a:p>
+            <a:r>
+              <a:rPr lang="en-US" dirty="0" smtClean="0"/>
+              <a:t>Stack Traces Enabled</a:t>
+            </a:r>
+          </a:p>
+          <a:p>
+            <a:endParaRPr lang="en-US" dirty="0" smtClean="0"/>
+          </a:p>
+          <a:p>
+            <a:endParaRPr lang="en-US" dirty="0"/>
+          </a:p>
+          <a:p>
+            <a:endParaRPr lang="en-US" dirty="0" smtClean="0"/>
+          </a:p>
+          <a:p>
+            <a:endParaRPr lang="en-US" dirty="0"/>
           </a:p>
         </p:txBody>
       </p:sp>
@@ -11863,6 +12243,520 @@
 </file>
 
 <file path=ppt/slides/slide6.xml><?xml version="1.0" encoding="utf-8"?>
+<p:sld xmlns:a="http://schemas.openxmlformats.org/drawingml/2006/main" xmlns:r="http://schemas.openxmlformats.org/officeDocument/2006/relationships" xmlns:p="http://schemas.openxmlformats.org/presentationml/2006/main">
+  <p:cSld>
+    <p:spTree>
+      <p:nvGrpSpPr>
+        <p:cNvPr id="1" name=""/>
+        <p:cNvGrpSpPr/>
+        <p:nvPr/>
+      </p:nvGrpSpPr>
+      <p:grpSpPr>
+        <a:xfrm>
+          <a:off x="0" y="0"/>
+          <a:ext cx="0" cy="0"/>
+          <a:chOff x="0" y="0"/>
+          <a:chExt cx="0" cy="0"/>
+        </a:xfrm>
+      </p:grpSpPr>
+      <p:sp>
+        <p:nvSpPr>
+          <p:cNvPr id="5" name="Rectangle 4"/>
+          <p:cNvSpPr/>
+          <p:nvPr/>
+        </p:nvSpPr>
+        <p:spPr>
+          <a:xfrm>
+            <a:off x="990600" y="1193800"/>
+            <a:ext cx="9588500" cy="4062651"/>
+          </a:xfrm>
+          <a:prstGeom prst="rect">
+            <a:avLst/>
+          </a:prstGeom>
+        </p:spPr>
+        <p:txBody>
+          <a:bodyPr wrap="square">
+            <a:spAutoFit/>
+          </a:bodyPr>
+          <a:lstStyle/>
+          <a:p>
+            <a:r>
+              <a:rPr lang="en-US" sz="1600" dirty="0" smtClean="0">
+                <a:ln>
+                  <a:solidFill>
+                    <a:schemeClr val="bg1">
+                      <a:lumMod val="75000"/>
+                      <a:lumOff val="25000"/>
+                      <a:alpha val="10000"/>
+                    </a:schemeClr>
+                  </a:solidFill>
+                </a:ln>
+                <a:solidFill>
+                  <a:schemeClr val="tx2"/>
+                </a:solidFill>
+                <a:effectLst>
+                  <a:outerShdw blurRad="9525" dist="25400" dir="14640000" algn="tl" rotWithShape="0">
+                    <a:schemeClr val="bg1">
+                      <a:alpha val="30000"/>
+                    </a:schemeClr>
+                  </a:outerShdw>
+                </a:effectLst>
+              </a:rPr>
+              <a:t>Insecure communication</a:t>
+            </a:r>
+          </a:p>
+          <a:p>
+            <a:r>
+              <a:rPr lang="en-US" sz="1600" dirty="0" smtClean="0">
+                <a:ln>
+                  <a:solidFill>
+                    <a:schemeClr val="bg1">
+                      <a:lumMod val="75000"/>
+                      <a:lumOff val="25000"/>
+                      <a:alpha val="10000"/>
+                    </a:schemeClr>
+                  </a:solidFill>
+                </a:ln>
+                <a:solidFill>
+                  <a:schemeClr val="tx2"/>
+                </a:solidFill>
+                <a:effectLst>
+                  <a:outerShdw blurRad="9525" dist="25400" dir="14640000" algn="tl" rotWithShape="0">
+                    <a:schemeClr val="bg1">
+                      <a:alpha val="30000"/>
+                    </a:schemeClr>
+                  </a:outerShdw>
+                </a:effectLst>
+              </a:rPr>
+              <a:t>Insecure </a:t>
+            </a:r>
+            <a:r>
+              <a:rPr lang="en-US" sz="1600" dirty="0" smtClean="0">
+                <a:ln>
+                  <a:solidFill>
+                    <a:schemeClr val="bg1">
+                      <a:lumMod val="75000"/>
+                      <a:lumOff val="25000"/>
+                      <a:alpha val="10000"/>
+                    </a:schemeClr>
+                  </a:solidFill>
+                </a:ln>
+                <a:solidFill>
+                  <a:schemeClr val="tx2"/>
+                </a:solidFill>
+                <a:effectLst>
+                  <a:outerShdw blurRad="9525" dist="25400" dir="14640000" algn="tl" rotWithShape="0">
+                    <a:schemeClr val="bg1">
+                      <a:alpha val="30000"/>
+                    </a:schemeClr>
+                  </a:outerShdw>
+                </a:effectLst>
+              </a:rPr>
+              <a:t>Direct </a:t>
+            </a:r>
+            <a:r>
+              <a:rPr lang="en-US" sz="1600" dirty="0" smtClean="0">
+                <a:ln>
+                  <a:solidFill>
+                    <a:schemeClr val="bg1">
+                      <a:lumMod val="75000"/>
+                      <a:lumOff val="25000"/>
+                      <a:alpha val="10000"/>
+                    </a:schemeClr>
+                  </a:solidFill>
+                </a:ln>
+                <a:solidFill>
+                  <a:schemeClr val="tx2"/>
+                </a:solidFill>
+                <a:effectLst>
+                  <a:outerShdw blurRad="9525" dist="25400" dir="14640000" algn="tl" rotWithShape="0">
+                    <a:schemeClr val="bg1">
+                      <a:alpha val="30000"/>
+                    </a:schemeClr>
+                  </a:outerShdw>
+                </a:effectLst>
+              </a:rPr>
+              <a:t>Object Reference(IDOR)</a:t>
+            </a:r>
+          </a:p>
+          <a:p>
+            <a:r>
+              <a:rPr lang="en-US" sz="1600" dirty="0" smtClean="0">
+                <a:ln>
+                  <a:solidFill>
+                    <a:schemeClr val="bg1">
+                      <a:lumMod val="75000"/>
+                      <a:lumOff val="25000"/>
+                      <a:alpha val="10000"/>
+                    </a:schemeClr>
+                  </a:solidFill>
+                </a:ln>
+                <a:solidFill>
+                  <a:schemeClr val="tx2"/>
+                </a:solidFill>
+                <a:effectLst>
+                  <a:outerShdw blurRad="9525" dist="25400" dir="14640000" algn="tl" rotWithShape="0">
+                    <a:schemeClr val="bg1">
+                      <a:alpha val="30000"/>
+                    </a:schemeClr>
+                  </a:outerShdw>
+                </a:effectLst>
+              </a:rPr>
+              <a:t>Clickjacking</a:t>
+            </a:r>
+          </a:p>
+          <a:p>
+            <a:r>
+              <a:rPr lang="en-US" sz="1600" dirty="0" smtClean="0">
+                <a:ln>
+                  <a:solidFill>
+                    <a:schemeClr val="bg1">
+                      <a:lumMod val="75000"/>
+                      <a:lumOff val="25000"/>
+                      <a:alpha val="10000"/>
+                    </a:schemeClr>
+                  </a:solidFill>
+                </a:ln>
+                <a:solidFill>
+                  <a:schemeClr val="tx2"/>
+                </a:solidFill>
+                <a:effectLst>
+                  <a:outerShdw blurRad="9525" dist="25400" dir="14640000" algn="tl" rotWithShape="0">
+                    <a:schemeClr val="bg1">
+                      <a:alpha val="30000"/>
+                    </a:schemeClr>
+                  </a:outerShdw>
+                </a:effectLst>
+              </a:rPr>
+              <a:t>Directory Listing</a:t>
+            </a:r>
+          </a:p>
+          <a:p>
+            <a:r>
+              <a:rPr lang="en-US" sz="1600" dirty="0" smtClean="0">
+                <a:ln>
+                  <a:solidFill>
+                    <a:schemeClr val="bg1">
+                      <a:lumMod val="75000"/>
+                      <a:lumOff val="25000"/>
+                      <a:alpha val="10000"/>
+                    </a:schemeClr>
+                  </a:solidFill>
+                </a:ln>
+                <a:solidFill>
+                  <a:schemeClr val="tx2"/>
+                </a:solidFill>
+                <a:effectLst>
+                  <a:outerShdw blurRad="9525" dist="25400" dir="14640000" algn="tl" rotWithShape="0">
+                    <a:schemeClr val="bg1">
+                      <a:alpha val="30000"/>
+                    </a:schemeClr>
+                  </a:outerShdw>
+                </a:effectLst>
+              </a:rPr>
+              <a:t>Improper Error handling</a:t>
+            </a:r>
+          </a:p>
+          <a:p>
+            <a:r>
+              <a:rPr lang="en-US" sz="1600" dirty="0" smtClean="0">
+                <a:ln>
+                  <a:solidFill>
+                    <a:schemeClr val="bg1">
+                      <a:lumMod val="75000"/>
+                      <a:lumOff val="25000"/>
+                      <a:alpha val="10000"/>
+                    </a:schemeClr>
+                  </a:solidFill>
+                </a:ln>
+                <a:solidFill>
+                  <a:schemeClr val="tx2"/>
+                </a:solidFill>
+                <a:effectLst>
+                  <a:outerShdw blurRad="9525" dist="25400" dir="14640000" algn="tl" rotWithShape="0">
+                    <a:schemeClr val="bg1">
+                      <a:alpha val="30000"/>
+                    </a:schemeClr>
+                  </a:outerShdw>
+                </a:effectLst>
+              </a:rPr>
+              <a:t>Local File Inclusion(LFI)</a:t>
+            </a:r>
+          </a:p>
+          <a:p>
+            <a:r>
+              <a:rPr lang="en-US" sz="1600" dirty="0" smtClean="0">
+                <a:ln>
+                  <a:solidFill>
+                    <a:schemeClr val="bg1">
+                      <a:lumMod val="75000"/>
+                      <a:lumOff val="25000"/>
+                      <a:alpha val="10000"/>
+                    </a:schemeClr>
+                  </a:solidFill>
+                </a:ln>
+                <a:solidFill>
+                  <a:schemeClr val="tx2"/>
+                </a:solidFill>
+                <a:effectLst>
+                  <a:outerShdw blurRad="9525" dist="25400" dir="14640000" algn="tl" rotWithShape="0">
+                    <a:schemeClr val="bg1">
+                      <a:alpha val="30000"/>
+                    </a:schemeClr>
+                  </a:outerShdw>
+                </a:effectLst>
+              </a:rPr>
+              <a:t>Remote file Inclusion(RFI)</a:t>
+            </a:r>
+          </a:p>
+          <a:p>
+            <a:r>
+              <a:rPr lang="en-US" sz="1600" dirty="0" smtClean="0">
+                <a:ln>
+                  <a:solidFill>
+                    <a:schemeClr val="bg1">
+                      <a:lumMod val="75000"/>
+                      <a:lumOff val="25000"/>
+                      <a:alpha val="10000"/>
+                    </a:schemeClr>
+                  </a:solidFill>
+                </a:ln>
+                <a:solidFill>
+                  <a:schemeClr val="tx2"/>
+                </a:solidFill>
+                <a:effectLst>
+                  <a:outerShdw blurRad="9525" dist="25400" dir="14640000" algn="tl" rotWithShape="0">
+                    <a:schemeClr val="bg1">
+                      <a:alpha val="30000"/>
+                    </a:schemeClr>
+                  </a:outerShdw>
+                </a:effectLst>
+              </a:rPr>
+              <a:t>HTML Injection</a:t>
+            </a:r>
+          </a:p>
+          <a:p>
+            <a:r>
+              <a:rPr lang="en-US" sz="1600" dirty="0" smtClean="0">
+                <a:ln>
+                  <a:solidFill>
+                    <a:schemeClr val="bg1">
+                      <a:lumMod val="75000"/>
+                      <a:lumOff val="25000"/>
+                      <a:alpha val="10000"/>
+                    </a:schemeClr>
+                  </a:solidFill>
+                </a:ln>
+                <a:solidFill>
+                  <a:schemeClr val="tx2"/>
+                </a:solidFill>
+                <a:effectLst>
+                  <a:outerShdw blurRad="9525" dist="25400" dir="14640000" algn="tl" rotWithShape="0">
+                    <a:schemeClr val="bg1">
+                      <a:alpha val="30000"/>
+                    </a:schemeClr>
+                  </a:outerShdw>
+                </a:effectLst>
+              </a:rPr>
+              <a:t>Security Headers misconfiguration</a:t>
+            </a:r>
+          </a:p>
+          <a:p>
+            <a:r>
+              <a:rPr lang="en-US" sz="1600" dirty="0" smtClean="0">
+                <a:ln>
+                  <a:solidFill>
+                    <a:schemeClr val="bg1">
+                      <a:lumMod val="75000"/>
+                      <a:lumOff val="25000"/>
+                      <a:alpha val="10000"/>
+                    </a:schemeClr>
+                  </a:solidFill>
+                </a:ln>
+                <a:solidFill>
+                  <a:schemeClr val="tx2"/>
+                </a:solidFill>
+                <a:effectLst>
+                  <a:outerShdw blurRad="9525" dist="25400" dir="14640000" algn="tl" rotWithShape="0">
+                    <a:schemeClr val="bg1">
+                      <a:alpha val="30000"/>
+                    </a:schemeClr>
+                  </a:outerShdw>
+                </a:effectLst>
+              </a:rPr>
+              <a:t>Authentication Bypass</a:t>
+            </a:r>
+          </a:p>
+          <a:p>
+            <a:r>
+              <a:rPr lang="en-US" sz="1600" dirty="0" smtClean="0">
+                <a:ln>
+                  <a:solidFill>
+                    <a:schemeClr val="bg1">
+                      <a:lumMod val="75000"/>
+                      <a:lumOff val="25000"/>
+                      <a:alpha val="10000"/>
+                    </a:schemeClr>
+                  </a:solidFill>
+                </a:ln>
+                <a:solidFill>
+                  <a:schemeClr val="tx2"/>
+                </a:solidFill>
+                <a:effectLst>
+                  <a:outerShdw blurRad="9525" dist="25400" dir="14640000" algn="tl" rotWithShape="0">
+                    <a:schemeClr val="bg1">
+                      <a:alpha val="30000"/>
+                    </a:schemeClr>
+                  </a:outerShdw>
+                </a:effectLst>
+              </a:rPr>
+              <a:t>Unencrypted View State</a:t>
+            </a:r>
+            <a:endParaRPr lang="en-US" sz="1600" dirty="0" smtClean="0">
+              <a:ln>
+                <a:solidFill>
+                  <a:schemeClr val="bg1">
+                    <a:lumMod val="75000"/>
+                    <a:lumOff val="25000"/>
+                    <a:alpha val="10000"/>
+                  </a:schemeClr>
+                </a:solidFill>
+              </a:ln>
+              <a:solidFill>
+                <a:schemeClr val="tx2"/>
+              </a:solidFill>
+              <a:effectLst>
+                <a:outerShdw blurRad="9525" dist="25400" dir="14640000" algn="tl" rotWithShape="0">
+                  <a:schemeClr val="bg1">
+                    <a:alpha val="30000"/>
+                  </a:schemeClr>
+                </a:outerShdw>
+              </a:effectLst>
+            </a:endParaRPr>
+          </a:p>
+          <a:p>
+            <a:r>
+              <a:rPr lang="en-US" sz="1600" dirty="0" smtClean="0">
+                <a:ln>
+                  <a:solidFill>
+                    <a:schemeClr val="bg1">
+                      <a:lumMod val="75000"/>
+                      <a:lumOff val="25000"/>
+                      <a:alpha val="10000"/>
+                    </a:schemeClr>
+                  </a:solidFill>
+                </a:ln>
+                <a:solidFill>
+                  <a:schemeClr val="tx2"/>
+                </a:solidFill>
+                <a:effectLst>
+                  <a:outerShdw blurRad="9525" dist="25400" dir="14640000" algn="tl" rotWithShape="0">
+                    <a:schemeClr val="bg1">
+                      <a:alpha val="30000"/>
+                    </a:schemeClr>
+                  </a:outerShdw>
+                </a:effectLst>
+              </a:rPr>
+              <a:t>Client Side URL Redirection</a:t>
+            </a:r>
+          </a:p>
+          <a:p>
+            <a:r>
+              <a:rPr lang="en-US" sz="1600" dirty="0" smtClean="0">
+                <a:ln>
+                  <a:solidFill>
+                    <a:schemeClr val="bg1">
+                      <a:lumMod val="75000"/>
+                      <a:lumOff val="25000"/>
+                      <a:alpha val="10000"/>
+                    </a:schemeClr>
+                  </a:solidFill>
+                </a:ln>
+                <a:solidFill>
+                  <a:schemeClr val="tx2"/>
+                </a:solidFill>
+                <a:effectLst>
+                  <a:outerShdw blurRad="9525" dist="25400" dir="14640000" algn="tl" rotWithShape="0">
+                    <a:schemeClr val="bg1">
+                      <a:alpha val="30000"/>
+                    </a:schemeClr>
+                  </a:outerShdw>
+                </a:effectLst>
+              </a:rPr>
+              <a:t>Malicious (or) File Upload</a:t>
+            </a:r>
+          </a:p>
+          <a:p>
+            <a:r>
+              <a:rPr lang="en-US" sz="1600" dirty="0" smtClean="0">
+                <a:ln>
+                  <a:solidFill>
+                    <a:schemeClr val="bg1">
+                      <a:lumMod val="75000"/>
+                      <a:lumOff val="25000"/>
+                      <a:alpha val="10000"/>
+                    </a:schemeClr>
+                  </a:solidFill>
+                </a:ln>
+                <a:solidFill>
+                  <a:schemeClr val="tx2"/>
+                </a:solidFill>
+                <a:effectLst>
+                  <a:outerShdw blurRad="9525" dist="25400" dir="14640000" algn="tl" rotWithShape="0">
+                    <a:schemeClr val="bg1">
+                      <a:alpha val="30000"/>
+                    </a:schemeClr>
+                  </a:outerShdw>
+                </a:effectLst>
+              </a:rPr>
+              <a:t>Default Credentials</a:t>
+            </a:r>
+          </a:p>
+          <a:p>
+            <a:r>
+              <a:rPr lang="en-US" sz="1600" dirty="0" smtClean="0">
+                <a:ln>
+                  <a:solidFill>
+                    <a:schemeClr val="bg1">
+                      <a:lumMod val="75000"/>
+                      <a:lumOff val="25000"/>
+                      <a:alpha val="10000"/>
+                    </a:schemeClr>
+                  </a:solidFill>
+                </a:ln>
+                <a:solidFill>
+                  <a:schemeClr val="tx2"/>
+                </a:solidFill>
+                <a:effectLst>
+                  <a:outerShdw blurRad="9525" dist="25400" dir="14640000" algn="tl" rotWithShape="0">
+                    <a:schemeClr val="bg1">
+                      <a:alpha val="30000"/>
+                    </a:schemeClr>
+                  </a:outerShdw>
+                </a:effectLst>
+              </a:rPr>
+              <a:t>Client side Validation Bypass</a:t>
+            </a:r>
+          </a:p>
+          <a:p>
+            <a:endParaRPr lang="en-US" dirty="0"/>
+          </a:p>
+        </p:txBody>
+      </p:sp>
+    </p:spTree>
+    <p:extLst>
+      <p:ext uri="{BB962C8B-B14F-4D97-AF65-F5344CB8AC3E}">
+        <p14:creationId xmlns:p14="http://schemas.microsoft.com/office/powerpoint/2010/main" val="1353879653"/>
+      </p:ext>
+    </p:extLst>
+  </p:cSld>
+  <p:clrMapOvr>
+    <a:masterClrMapping/>
+  </p:clrMapOvr>
+</p:sld>
+</file>
+
+<file path=ppt/slides/slide7.xml><?xml version="1.0" encoding="utf-8"?>
 <p:sld xmlns:a="http://schemas.openxmlformats.org/drawingml/2006/main" xmlns:r="http://schemas.openxmlformats.org/officeDocument/2006/relationships" xmlns:p="http://schemas.openxmlformats.org/presentationml/2006/main">
   <p:cSld>
     <p:spTree>
@@ -11946,7 +12840,112 @@
           <a:bodyPr/>
           <a:lstStyle/>
           <a:p>
-            <a:endParaRPr lang="en-US"/>
+            <a:pPr lvl="0"/>
+            <a:r>
+              <a:rPr lang="en-US" b="1" u="sng" dirty="0">
+                <a:effectLst/>
+                <a:hlinkClick r:id="rId2"/>
+              </a:rPr>
+              <a:t>OWASP</a:t>
+            </a:r>
+            <a:r>
+              <a:rPr lang="en-US" b="1" dirty="0">
+                <a:effectLst/>
+              </a:rPr>
+              <a:t> (Open Web Application Security Project)</a:t>
+            </a:r>
+            <a:endParaRPr lang="en-US" dirty="0">
+              <a:effectLst/>
+            </a:endParaRPr>
+          </a:p>
+          <a:p>
+            <a:pPr lvl="0"/>
+            <a:r>
+              <a:rPr lang="en-US" b="1" u="sng" dirty="0">
+                <a:effectLst/>
+                <a:hlinkClick r:id="rId3"/>
+              </a:rPr>
+              <a:t>OSSTMM</a:t>
+            </a:r>
+            <a:r>
+              <a:rPr lang="en-US" b="1" dirty="0">
+                <a:effectLst/>
+              </a:rPr>
+              <a:t> (Open Source Security Testing Methodology Manual)</a:t>
+            </a:r>
+            <a:endParaRPr lang="en-US" dirty="0">
+              <a:effectLst/>
+            </a:endParaRPr>
+          </a:p>
+          <a:p>
+            <a:pPr lvl="0"/>
+            <a:r>
+              <a:rPr lang="en-US" b="1" dirty="0">
+                <a:effectLst/>
+              </a:rPr>
+              <a:t>PTF</a:t>
+            </a:r>
+            <a:r>
+              <a:rPr lang="en-US" dirty="0">
+                <a:effectLst/>
+              </a:rPr>
+              <a:t> (Penetration Testing Framework)</a:t>
+            </a:r>
+          </a:p>
+          <a:p>
+            <a:pPr lvl="0"/>
+            <a:r>
+              <a:rPr lang="en-US" b="1" u="sng" dirty="0">
+                <a:effectLst/>
+                <a:hlinkClick r:id="rId4"/>
+              </a:rPr>
+              <a:t>ISSAF</a:t>
+            </a:r>
+            <a:r>
+              <a:rPr lang="en-US" b="1" dirty="0">
+                <a:effectLst/>
+              </a:rPr>
+              <a:t> (Information Systems Security Assessment Framework)</a:t>
+            </a:r>
+            <a:endParaRPr lang="en-US" dirty="0">
+              <a:effectLst/>
+            </a:endParaRPr>
+          </a:p>
+          <a:p>
+            <a:pPr lvl="0"/>
+            <a:r>
+              <a:rPr lang="en-US" b="1" u="sng" dirty="0">
+                <a:effectLst/>
+                <a:hlinkClick r:id="rId5"/>
+              </a:rPr>
+              <a:t>PCI</a:t>
+            </a:r>
+            <a:r>
+              <a:rPr lang="en-US" u="sng" dirty="0">
+                <a:effectLst/>
+                <a:hlinkClick r:id="rId5"/>
+              </a:rPr>
+              <a:t> </a:t>
+            </a:r>
+            <a:r>
+              <a:rPr lang="en-US" b="1" u="sng" dirty="0">
+                <a:effectLst/>
+                <a:hlinkClick r:id="rId5"/>
+              </a:rPr>
+              <a:t>DSS</a:t>
+            </a:r>
+            <a:r>
+              <a:rPr lang="en-US" dirty="0">
+                <a:effectLst/>
+              </a:rPr>
+              <a:t> (Payment Card Industry Data Security Standard)</a:t>
+            </a:r>
+          </a:p>
+          <a:p>
+            <a:pPr marL="36900" indent="0">
+              <a:buNone/>
+            </a:pPr>
+            <a:endParaRPr lang="en-US" dirty="0"/>
           </a:p>
         </p:txBody>
       </p:sp>
@@ -11960,10 +12959,17 @@
   <p:clrMapOvr>
     <a:masterClrMapping/>
   </p:clrMapOvr>
+  <p:timing>
+    <p:tnLst>
+      <p:par>
+        <p:cTn id="1" dur="indefinite" restart="never" nodeType="tmRoot"/>
+      </p:par>
+    </p:tnLst>
+  </p:timing>
 </p:sld>
 </file>
 
-<file path=ppt/slides/slide7.xml><?xml version="1.0" encoding="utf-8"?>
+<file path=ppt/slides/slide8.xml><?xml version="1.0" encoding="utf-8"?>
 <p:sld xmlns:a="http://schemas.openxmlformats.org/drawingml/2006/main" xmlns:r="http://schemas.openxmlformats.org/officeDocument/2006/relationships" xmlns:p="http://schemas.openxmlformats.org/presentationml/2006/main">
   <p:cSld>
     <p:bg>
@@ -12007,7 +13013,7 @@
                 <a16:creationId xmlns:a16="http://schemas.microsoft.com/office/drawing/2014/main" id="{3A7F5D76-1FEC-470A-B476-70574A89C72A}"/>
               </a:ext>
               <a:ext uri="{C183D7F6-B498-43B3-948B-1728B52AA6E4}">
-                <adec:decorative xmlns:adec="http://schemas.microsoft.com/office/drawing/2017/decorative" val="1"/>
+                <adec:decorative xmlns:adec="http://schemas.microsoft.com/office/drawing/2017/decorative" xmlns="" val="1"/>
               </a:ext>
             </a:extLst>
           </p:cNvPr>
@@ -12130,64 +13136,177 @@
         </p:nvSpPr>
         <p:spPr>
           <a:xfrm>
-            <a:off x="913795" y="2132822"/>
-            <a:ext cx="5546272" cy="3658378"/>
+            <a:off x="913794" y="1866900"/>
+            <a:ext cx="5741005" cy="4025900"/>
           </a:xfrm>
         </p:spPr>
         <p:txBody>
           <a:bodyPr anchor="ctr">
-            <a:normAutofit/>
+            <a:normAutofit fontScale="77500" lnSpcReduction="20000"/>
           </a:bodyPr>
           <a:lstStyle/>
           <a:p>
-            <a:pPr marL="0" indent="0">
-              <a:lnSpc>
-                <a:spcPct val="100000"/>
-              </a:lnSpc>
-              <a:buNone/>
-            </a:pPr>
-            <a:r>
-              <a:rPr lang="en-US" sz="1600" b="1" dirty="0">
-                <a:ln>
-                  <a:solidFill>
-                    <a:srgbClr val="000000">
-                      <a:lumMod val="75000"/>
-                      <a:lumOff val="25000"/>
-                      <a:alpha val="10000"/>
-                    </a:srgbClr>
-                  </a:solidFill>
-                </a:ln>
-                <a:effectLst>
-                  <a:outerShdw blurRad="9525" dist="25400" dir="14640000" algn="tl" rotWithShape="0">
-                    <a:srgbClr val="000000">
-                      <a:alpha val="30000"/>
-                    </a:srgbClr>
-                  </a:outerShdw>
-                </a:effectLst>
-                <a:ea typeface="+mn-lt"/>
-                <a:cs typeface="+mn-lt"/>
+            <a:r>
+              <a:rPr lang="en-US" dirty="0" smtClean="0">
+                <a:effectLst/>
               </a:rPr>
-              <a:t>The Top 10 security vulnerabilities as per OWASP Top 10 are:</a:t>
-            </a:r>
-            <a:endParaRPr lang="en-US" sz="1600" dirty="0">
-              <a:ln>
-                <a:solidFill>
-                  <a:srgbClr val="000000">
-                    <a:lumMod val="75000"/>
-                    <a:lumOff val="25000"/>
-                    <a:alpha val="10000"/>
-                  </a:srgbClr>
-                </a:solidFill>
-              </a:ln>
-              <a:effectLst>
-                <a:outerShdw blurRad="9525" dist="25400" dir="14640000" algn="tl" rotWithShape="0">
-                  <a:srgbClr val="000000">
-                    <a:alpha val="30000"/>
-                  </a:srgbClr>
-                </a:outerShdw>
-              </a:effectLst>
-              <a:ea typeface="+mn-lt"/>
-              <a:cs typeface="+mn-lt"/>
+              <a:t>Injection.</a:t>
+            </a:r>
+            <a:endParaRPr lang="en-US" dirty="0">
+              <a:effectLst/>
+            </a:endParaRPr>
+          </a:p>
+          <a:p>
+            <a:r>
+              <a:rPr lang="en-US" dirty="0">
+                <a:effectLst/>
+              </a:rPr>
+              <a:t>Broken </a:t>
+            </a:r>
+            <a:r>
+              <a:rPr lang="en-US" dirty="0" smtClean="0">
+                <a:effectLst/>
+              </a:rPr>
+              <a:t>Authentication.</a:t>
+            </a:r>
+            <a:endParaRPr lang="en-US" dirty="0">
+              <a:effectLst/>
+            </a:endParaRPr>
+          </a:p>
+          <a:p>
+            <a:r>
+              <a:rPr lang="en-US" dirty="0">
+                <a:effectLst/>
+              </a:rPr>
+              <a:t>Sensitive Data </a:t>
+            </a:r>
+            <a:r>
+              <a:rPr lang="en-US" dirty="0" smtClean="0">
+                <a:effectLst/>
+              </a:rPr>
+              <a:t>Exposure.</a:t>
+            </a:r>
+            <a:endParaRPr lang="en-US" dirty="0">
+              <a:effectLst/>
+            </a:endParaRPr>
+          </a:p>
+          <a:p>
+            <a:r>
+              <a:rPr lang="en-US" dirty="0">
+                <a:effectLst/>
+              </a:rPr>
+              <a:t>XML External Entities (XXE</a:t>
+            </a:r>
+            <a:r>
+              <a:rPr lang="en-US" dirty="0" smtClean="0">
+                <a:effectLst/>
+              </a:rPr>
+              <a:t>).</a:t>
+            </a:r>
+            <a:endParaRPr lang="en-US" dirty="0">
+              <a:effectLst/>
+            </a:endParaRPr>
+          </a:p>
+          <a:p>
+            <a:r>
+              <a:rPr lang="en-US" dirty="0">
+                <a:effectLst/>
+              </a:rPr>
+              <a:t>Broken Access </a:t>
+            </a:r>
+            <a:r>
+              <a:rPr lang="en-US" dirty="0" smtClean="0">
+                <a:effectLst/>
+              </a:rPr>
+              <a:t>Control.</a:t>
+            </a:r>
+            <a:endParaRPr lang="en-US" dirty="0">
+              <a:effectLst/>
+            </a:endParaRPr>
+          </a:p>
+          <a:p>
+            <a:r>
+              <a:rPr lang="en-US" dirty="0">
+                <a:effectLst/>
+              </a:rPr>
+              <a:t>Security </a:t>
+            </a:r>
+            <a:r>
+              <a:rPr lang="en-US" dirty="0" smtClean="0">
+                <a:effectLst/>
+              </a:rPr>
+              <a:t>Misconfiguration.</a:t>
+            </a:r>
+            <a:endParaRPr lang="en-US" dirty="0">
+              <a:effectLst/>
+            </a:endParaRPr>
+          </a:p>
+          <a:p>
+            <a:r>
+              <a:rPr lang="en-US" dirty="0">
+                <a:effectLst/>
+              </a:rPr>
+              <a:t>Cross-Site Scripting (XSS</a:t>
+            </a:r>
+            <a:r>
+              <a:rPr lang="en-US" dirty="0" smtClean="0">
+                <a:effectLst/>
+              </a:rPr>
+              <a:t>).</a:t>
+            </a:r>
+            <a:endParaRPr lang="en-US" dirty="0">
+              <a:effectLst/>
+            </a:endParaRPr>
+          </a:p>
+          <a:p>
+            <a:r>
+              <a:rPr lang="en-US" dirty="0">
+                <a:effectLst/>
+              </a:rPr>
+              <a:t>Insecure </a:t>
+            </a:r>
+            <a:r>
+              <a:rPr lang="en-US" dirty="0" smtClean="0">
+                <a:effectLst/>
+              </a:rPr>
+              <a:t>Deserialization.</a:t>
+            </a:r>
+            <a:endParaRPr lang="en-US" dirty="0">
+              <a:effectLst/>
+            </a:endParaRPr>
+          </a:p>
+          <a:p>
+            <a:r>
+              <a:rPr lang="en-US" dirty="0">
+                <a:effectLst/>
+              </a:rPr>
+              <a:t>Using Components with Known </a:t>
+            </a:r>
+            <a:r>
+              <a:rPr lang="en-US" dirty="0" smtClean="0">
+                <a:effectLst/>
+              </a:rPr>
+              <a:t>Vulnerabilities.</a:t>
+            </a:r>
+            <a:endParaRPr lang="en-US" dirty="0">
+              <a:effectLst/>
+            </a:endParaRPr>
+          </a:p>
+          <a:p>
+            <a:r>
+              <a:rPr lang="en-US" dirty="0">
+                <a:effectLst/>
+              </a:rPr>
+              <a:t>Insufficient </a:t>
+            </a:r>
+            <a:r>
+              <a:rPr lang="en-US" dirty="0" smtClean="0">
+                <a:effectLst/>
+              </a:rPr>
+              <a:t>Logging Monitoring.</a:t>
+            </a:r>
+            <a:endParaRPr lang="en-US" dirty="0">
+              <a:effectLst/>
             </a:endParaRPr>
           </a:p>
           <a:p>
@@ -12196,407 +13315,8 @@
                 <a:spcPct val="100000"/>
               </a:lnSpc>
             </a:pPr>
-            <a:r>
-              <a:rPr lang="en-US" sz="1600" dirty="0">
-                <a:ln>
-                  <a:solidFill>
-                    <a:srgbClr val="000000">
-                      <a:lumMod val="75000"/>
-                      <a:lumOff val="25000"/>
-                      <a:alpha val="10000"/>
-                    </a:srgbClr>
-                  </a:solidFill>
-                </a:ln>
-                <a:effectLst>
-                  <a:outerShdw blurRad="9525" dist="25400" dir="14640000" algn="tl" rotWithShape="0">
-                    <a:srgbClr val="000000">
-                      <a:alpha val="30000"/>
-                    </a:srgbClr>
-                  </a:outerShdw>
-                </a:effectLst>
-                <a:ea typeface="+mn-lt"/>
-                <a:cs typeface="+mn-lt"/>
-              </a:rPr>
-              <a:t>SQL Injection.</a:t>
-            </a:r>
-            <a:endParaRPr lang="en-US" sz="1600" dirty="0">
-              <a:ln>
-                <a:solidFill>
-                  <a:srgbClr val="000000">
-                    <a:lumMod val="75000"/>
-                    <a:lumOff val="25000"/>
-                    <a:alpha val="10000"/>
-                  </a:srgbClr>
-                </a:solidFill>
-              </a:ln>
-              <a:effectLst>
-                <a:outerShdw blurRad="9525" dist="25400" dir="14640000" algn="tl" rotWithShape="0">
-                  <a:srgbClr val="000000">
-                    <a:alpha val="30000"/>
-                  </a:srgbClr>
-                </a:outerShdw>
-              </a:effectLst>
-            </a:endParaRPr>
-          </a:p>
-          <a:p>
-            <a:pPr indent="-305435">
-              <a:lnSpc>
-                <a:spcPct val="100000"/>
-              </a:lnSpc>
-            </a:pPr>
-            <a:r>
-              <a:rPr lang="en-US" sz="1600" dirty="0">
-                <a:ln>
-                  <a:solidFill>
-                    <a:srgbClr val="000000">
-                      <a:lumMod val="75000"/>
-                      <a:lumOff val="25000"/>
-                      <a:alpha val="10000"/>
-                    </a:srgbClr>
-                  </a:solidFill>
-                </a:ln>
-                <a:effectLst>
-                  <a:outerShdw blurRad="9525" dist="25400" dir="14640000" algn="tl" rotWithShape="0">
-                    <a:srgbClr val="000000">
-                      <a:alpha val="30000"/>
-                    </a:srgbClr>
-                  </a:outerShdw>
-                </a:effectLst>
-                <a:ea typeface="+mn-lt"/>
-                <a:cs typeface="+mn-lt"/>
-              </a:rPr>
-              <a:t>Cross Site Scripting.</a:t>
-            </a:r>
-            <a:endParaRPr lang="en-US" sz="1600">
-              <a:ln>
-                <a:solidFill>
-                  <a:srgbClr val="000000">
-                    <a:lumMod val="75000"/>
-                    <a:lumOff val="25000"/>
-                    <a:alpha val="10000"/>
-                  </a:srgbClr>
-                </a:solidFill>
-              </a:ln>
-              <a:effectLst>
-                <a:outerShdw blurRad="9525" dist="25400" dir="14640000" algn="tl" rotWithShape="0">
-                  <a:srgbClr val="000000">
-                    <a:alpha val="30000"/>
-                  </a:srgbClr>
-                </a:outerShdw>
-              </a:effectLst>
-            </a:endParaRPr>
-          </a:p>
-          <a:p>
-            <a:pPr indent="-305435">
-              <a:lnSpc>
-                <a:spcPct val="100000"/>
-              </a:lnSpc>
-            </a:pPr>
-            <a:r>
-              <a:rPr lang="en-US" sz="1600" dirty="0">
-                <a:ln>
-                  <a:solidFill>
-                    <a:srgbClr val="000000">
-                      <a:lumMod val="75000"/>
-                      <a:lumOff val="25000"/>
-                      <a:alpha val="10000"/>
-                    </a:srgbClr>
-                  </a:solidFill>
-                </a:ln>
-                <a:effectLst>
-                  <a:outerShdw blurRad="9525" dist="25400" dir="14640000" algn="tl" rotWithShape="0">
-                    <a:srgbClr val="000000">
-                      <a:alpha val="30000"/>
-                    </a:srgbClr>
-                  </a:outerShdw>
-                </a:effectLst>
-                <a:ea typeface="+mn-lt"/>
-                <a:cs typeface="+mn-lt"/>
-              </a:rPr>
-              <a:t>Broken Authentication and Session Management.</a:t>
-            </a:r>
-            <a:endParaRPr lang="en-US" sz="1600">
-              <a:ln>
-                <a:solidFill>
-                  <a:srgbClr val="000000">
-                    <a:lumMod val="75000"/>
-                    <a:lumOff val="25000"/>
-                    <a:alpha val="10000"/>
-                  </a:srgbClr>
-                </a:solidFill>
-              </a:ln>
-              <a:effectLst>
-                <a:outerShdw blurRad="9525" dist="25400" dir="14640000" algn="tl" rotWithShape="0">
-                  <a:srgbClr val="000000">
-                    <a:alpha val="30000"/>
-                  </a:srgbClr>
-                </a:outerShdw>
-              </a:effectLst>
-            </a:endParaRPr>
-          </a:p>
-          <a:p>
-            <a:pPr indent="-305435">
-              <a:lnSpc>
-                <a:spcPct val="100000"/>
-              </a:lnSpc>
-            </a:pPr>
-            <a:r>
-              <a:rPr lang="en-US" sz="1600" dirty="0">
-                <a:ln>
-                  <a:solidFill>
-                    <a:srgbClr val="000000">
-                      <a:lumMod val="75000"/>
-                      <a:lumOff val="25000"/>
-                      <a:alpha val="10000"/>
-                    </a:srgbClr>
-                  </a:solidFill>
-                </a:ln>
-                <a:effectLst>
-                  <a:outerShdw blurRad="9525" dist="25400" dir="14640000" algn="tl" rotWithShape="0">
-                    <a:srgbClr val="000000">
-                      <a:alpha val="30000"/>
-                    </a:srgbClr>
-                  </a:outerShdw>
-                </a:effectLst>
-                <a:ea typeface="+mn-lt"/>
-                <a:cs typeface="+mn-lt"/>
-              </a:rPr>
-              <a:t>Insecure Direct Object References.</a:t>
-            </a:r>
-            <a:endParaRPr lang="en-US" sz="1600">
-              <a:ln>
-                <a:solidFill>
-                  <a:srgbClr val="000000">
-                    <a:lumMod val="75000"/>
-                    <a:lumOff val="25000"/>
-                    <a:alpha val="10000"/>
-                  </a:srgbClr>
-                </a:solidFill>
-              </a:ln>
-              <a:effectLst>
-                <a:outerShdw blurRad="9525" dist="25400" dir="14640000" algn="tl" rotWithShape="0">
-                  <a:srgbClr val="000000">
-                    <a:alpha val="30000"/>
-                  </a:srgbClr>
-                </a:outerShdw>
-              </a:effectLst>
-            </a:endParaRPr>
-          </a:p>
-          <a:p>
-            <a:pPr indent="-305435">
-              <a:lnSpc>
-                <a:spcPct val="100000"/>
-              </a:lnSpc>
-            </a:pPr>
-            <a:r>
-              <a:rPr lang="en-US" sz="1600" dirty="0">
-                <a:ln>
-                  <a:solidFill>
-                    <a:srgbClr val="000000">
-                      <a:lumMod val="75000"/>
-                      <a:lumOff val="25000"/>
-                      <a:alpha val="10000"/>
-                    </a:srgbClr>
-                  </a:solidFill>
-                </a:ln>
-                <a:effectLst>
-                  <a:outerShdw blurRad="9525" dist="25400" dir="14640000" algn="tl" rotWithShape="0">
-                    <a:srgbClr val="000000">
-                      <a:alpha val="30000"/>
-                    </a:srgbClr>
-                  </a:outerShdw>
-                </a:effectLst>
-                <a:ea typeface="+mn-lt"/>
-                <a:cs typeface="+mn-lt"/>
-              </a:rPr>
-              <a:t>Cross Site Request Forgery.</a:t>
-            </a:r>
-            <a:endParaRPr lang="en-US" sz="1600">
-              <a:ln>
-                <a:solidFill>
-                  <a:srgbClr val="000000">
-                    <a:lumMod val="75000"/>
-                    <a:lumOff val="25000"/>
-                    <a:alpha val="10000"/>
-                  </a:srgbClr>
-                </a:solidFill>
-              </a:ln>
-              <a:effectLst>
-                <a:outerShdw blurRad="9525" dist="25400" dir="14640000" algn="tl" rotWithShape="0">
-                  <a:srgbClr val="000000">
-                    <a:alpha val="30000"/>
-                  </a:srgbClr>
-                </a:outerShdw>
-              </a:effectLst>
-            </a:endParaRPr>
-          </a:p>
-          <a:p>
-            <a:pPr indent="-305435">
-              <a:lnSpc>
-                <a:spcPct val="100000"/>
-              </a:lnSpc>
-            </a:pPr>
-            <a:r>
-              <a:rPr lang="en-US" sz="1600" dirty="0">
-                <a:ln>
-                  <a:solidFill>
-                    <a:srgbClr val="000000">
-                      <a:lumMod val="75000"/>
-                      <a:lumOff val="25000"/>
-                      <a:alpha val="10000"/>
-                    </a:srgbClr>
-                  </a:solidFill>
-                </a:ln>
-                <a:effectLst>
-                  <a:outerShdw blurRad="9525" dist="25400" dir="14640000" algn="tl" rotWithShape="0">
-                    <a:srgbClr val="000000">
-                      <a:alpha val="30000"/>
-                    </a:srgbClr>
-                  </a:outerShdw>
-                </a:effectLst>
-                <a:ea typeface="+mn-lt"/>
-                <a:cs typeface="+mn-lt"/>
-              </a:rPr>
-              <a:t>Security Misconfiguration.</a:t>
-            </a:r>
-            <a:endParaRPr lang="en-US" sz="1600">
-              <a:ln>
-                <a:solidFill>
-                  <a:srgbClr val="000000">
-                    <a:lumMod val="75000"/>
-                    <a:lumOff val="25000"/>
-                    <a:alpha val="10000"/>
-                  </a:srgbClr>
-                </a:solidFill>
-              </a:ln>
-              <a:effectLst>
-                <a:outerShdw blurRad="9525" dist="25400" dir="14640000" algn="tl" rotWithShape="0">
-                  <a:srgbClr val="000000">
-                    <a:alpha val="30000"/>
-                  </a:srgbClr>
-                </a:outerShdw>
-              </a:effectLst>
-            </a:endParaRPr>
-          </a:p>
-          <a:p>
-            <a:pPr indent="-305435">
-              <a:lnSpc>
-                <a:spcPct val="100000"/>
-              </a:lnSpc>
-            </a:pPr>
-            <a:r>
-              <a:rPr lang="en-US" sz="1600" dirty="0">
-                <a:ln>
-                  <a:solidFill>
-                    <a:srgbClr val="000000">
-                      <a:lumMod val="75000"/>
-                      <a:lumOff val="25000"/>
-                      <a:alpha val="10000"/>
-                    </a:srgbClr>
-                  </a:solidFill>
-                </a:ln>
-                <a:effectLst>
-                  <a:outerShdw blurRad="9525" dist="25400" dir="14640000" algn="tl" rotWithShape="0">
-                    <a:srgbClr val="000000">
-                      <a:alpha val="30000"/>
-                    </a:srgbClr>
-                  </a:outerShdw>
-                </a:effectLst>
-                <a:ea typeface="+mn-lt"/>
-                <a:cs typeface="+mn-lt"/>
-              </a:rPr>
-              <a:t>Insecure Cryptographic Storage.</a:t>
-            </a:r>
-            <a:endParaRPr lang="en-US" sz="1600">
-              <a:ln>
-                <a:solidFill>
-                  <a:srgbClr val="000000">
-                    <a:lumMod val="75000"/>
-                    <a:lumOff val="25000"/>
-                    <a:alpha val="10000"/>
-                  </a:srgbClr>
-                </a:solidFill>
-              </a:ln>
-              <a:effectLst>
-                <a:outerShdw blurRad="9525" dist="25400" dir="14640000" algn="tl" rotWithShape="0">
-                  <a:srgbClr val="000000">
-                    <a:alpha val="30000"/>
-                  </a:srgbClr>
-                </a:outerShdw>
-              </a:effectLst>
-            </a:endParaRPr>
-          </a:p>
-          <a:p>
-            <a:pPr indent="-305435">
-              <a:lnSpc>
-                <a:spcPct val="100000"/>
-              </a:lnSpc>
-            </a:pPr>
-            <a:r>
-              <a:rPr lang="en-US" sz="1600" dirty="0">
-                <a:ln>
-                  <a:solidFill>
-                    <a:srgbClr val="000000">
-                      <a:lumMod val="75000"/>
-                      <a:lumOff val="25000"/>
-                      <a:alpha val="10000"/>
-                    </a:srgbClr>
-                  </a:solidFill>
-                </a:ln>
-                <a:effectLst>
-                  <a:outerShdw blurRad="9525" dist="25400" dir="14640000" algn="tl" rotWithShape="0">
-                    <a:srgbClr val="000000">
-                      <a:alpha val="30000"/>
-                    </a:srgbClr>
-                  </a:outerShdw>
-                </a:effectLst>
-                <a:ea typeface="+mn-lt"/>
-                <a:cs typeface="+mn-lt"/>
-              </a:rPr>
-              <a:t>Failure to restrict URL Access.</a:t>
-            </a:r>
-            <a:endParaRPr lang="en-US" sz="1600">
-              <a:ln>
-                <a:solidFill>
-                  <a:srgbClr val="000000">
-                    <a:lumMod val="75000"/>
-                    <a:lumOff val="25000"/>
-                    <a:alpha val="10000"/>
-                  </a:srgbClr>
-                </a:solidFill>
-              </a:ln>
-              <a:effectLst>
-                <a:outerShdw blurRad="9525" dist="25400" dir="14640000" algn="tl" rotWithShape="0">
-                  <a:srgbClr val="000000">
-                    <a:alpha val="30000"/>
-                  </a:srgbClr>
-                </a:outerShdw>
-              </a:effectLst>
-            </a:endParaRPr>
-          </a:p>
-          <a:p>
-            <a:pPr indent="-305435">
-              <a:lnSpc>
-                <a:spcPct val="100000"/>
-              </a:lnSpc>
-            </a:pPr>
-            <a:endParaRPr lang="en-US" sz="1600">
-              <a:ln>
-                <a:solidFill>
-                  <a:srgbClr val="000000">
-                    <a:lumMod val="75000"/>
-                    <a:lumOff val="25000"/>
-                    <a:alpha val="10000"/>
-                  </a:srgbClr>
-                </a:solidFill>
-              </a:ln>
-              <a:effectLst>
-                <a:outerShdw blurRad="9525" dist="25400" dir="14640000" algn="tl" rotWithShape="0">
-                  <a:srgbClr val="000000">
-                    <a:alpha val="30000"/>
-                  </a:srgbClr>
-                </a:outerShdw>
-              </a:effectLst>
+            <a:endParaRPr lang="en-US" sz="2400" dirty="0" smtClean="0">
+              <a:effectLst/>
             </a:endParaRPr>
           </a:p>
         </p:txBody>
@@ -12622,7 +13342,7 @@
                 <a14:useLocalDpi xmlns:a14="http://schemas.microsoft.com/office/drawing/2010/main" val="0"/>
               </a:ext>
               <a:ext uri="{96DAC541-7B7A-43D3-8B79-37D633B846F1}">
-                <asvg:svgBlip xmlns:asvg="http://schemas.microsoft.com/office/drawing/2016/SVG/main" r:embed="rId4"/>
+                <asvg:svgBlip xmlns:asvg="http://schemas.microsoft.com/office/drawing/2016/SVG/main" xmlns="" r:embed="rId4"/>
               </a:ext>
             </a:extLst>
           </a:blip>
@@ -12650,10 +13370,17 @@
   <p:clrMapOvr>
     <a:masterClrMapping/>
   </p:clrMapOvr>
+  <p:timing>
+    <p:tnLst>
+      <p:par>
+        <p:cTn id="1" dur="indefinite" restart="never" nodeType="tmRoot"/>
+      </p:par>
+    </p:tnLst>
+  </p:timing>
 </p:sld>
 </file>
 
-<file path=ppt/slides/slide8.xml><?xml version="1.0" encoding="utf-8"?>
+<file path=ppt/slides/slide9.xml><?xml version="1.0" encoding="utf-8"?>
 <p:sld xmlns:a="http://schemas.openxmlformats.org/drawingml/2006/main" xmlns:r="http://schemas.openxmlformats.org/officeDocument/2006/relationships" xmlns:p="http://schemas.openxmlformats.org/presentationml/2006/main">
   <p:cSld>
     <p:spTree>
@@ -12755,10 +13482,78 @@
         </p:nvSpPr>
         <p:spPr/>
         <p:txBody>
-          <a:bodyPr/>
+          <a:bodyPr>
+            <a:normAutofit/>
+          </a:bodyPr>
           <a:lstStyle/>
           <a:p>
-            <a:endParaRPr lang="en-US"/>
+            <a:r>
+              <a:rPr lang="en-US" b="1" dirty="0" smtClean="0">
+                <a:effectLst/>
+              </a:rPr>
+              <a:t> </a:t>
+            </a:r>
+            <a:r>
+              <a:rPr lang="en-US" b="1" dirty="0">
+                <a:effectLst/>
+              </a:rPr>
+              <a:t>Nessus</a:t>
+            </a:r>
+          </a:p>
+          <a:p>
+            <a:r>
+              <a:rPr lang="en-US" b="1" dirty="0" err="1" smtClean="0">
+                <a:effectLst/>
+              </a:rPr>
+              <a:t>Dirbuster</a:t>
+            </a:r>
+            <a:endParaRPr lang="en-US" b="1" dirty="0">
+              <a:effectLst/>
+            </a:endParaRPr>
+          </a:p>
+          <a:p>
+            <a:r>
+              <a:rPr lang="en-US" b="1" dirty="0" err="1" smtClean="0">
+                <a:effectLst/>
+              </a:rPr>
+              <a:t>Metasploit</a:t>
+            </a:r>
+            <a:endParaRPr lang="en-US" b="1" dirty="0">
+              <a:effectLst/>
+            </a:endParaRPr>
+          </a:p>
+          <a:p>
+            <a:r>
+              <a:rPr lang="en-US" b="1" dirty="0" smtClean="0">
+                <a:effectLst/>
+              </a:rPr>
+              <a:t>Burp </a:t>
+            </a:r>
+            <a:r>
+              <a:rPr lang="en-US" b="1" dirty="0" smtClean="0">
+                <a:effectLst/>
+              </a:rPr>
+              <a:t>Suite</a:t>
+            </a:r>
+            <a:endParaRPr lang="en-US" b="1" dirty="0" smtClean="0">
+              <a:effectLst/>
+            </a:endParaRPr>
+          </a:p>
+          <a:p>
+            <a:r>
+              <a:rPr lang="en-US" b="1" dirty="0" err="1" smtClean="0">
+                <a:effectLst/>
+              </a:rPr>
+              <a:t>Acceunetic</a:t>
+            </a:r>
+            <a:endParaRPr lang="en-US" b="1" dirty="0" smtClean="0">
+              <a:effectLst/>
+            </a:endParaRPr>
+          </a:p>
+          <a:p>
+            <a:endParaRPr lang="en-US" b="1" dirty="0">
+              <a:effectLst/>
+            </a:endParaRPr>
           </a:p>
         </p:txBody>
       </p:sp>
@@ -12772,6 +13567,13 @@
   <p:clrMapOvr>
     <a:masterClrMapping/>
   </p:clrMapOvr>
+  <p:timing>
+    <p:tnLst>
+      <p:par>
+        <p:cTn id="1" dur="indefinite" restart="never" nodeType="tmRoot"/>
+      </p:par>
+    </p:tnLst>
+  </p:timing>
 </p:sld>
 </file>
 
